--- a/PP_CalmStep_Capstone_AAI101 2.pptx
+++ b/PP_CalmStep_Capstone_AAI101 2.pptx
@@ -19,7 +19,6 @@
     <p:sldId id="264" r:id="rId16"/>
     <p:sldId id="265" r:id="rId17"/>
     <p:sldId id="266" r:id="rId18"/>
-    <p:sldId id="267" r:id="rId19"/>
   </p:sldIdLst>
   <p:sldSz cx="9144000" cy="5143500"/>
   <p:notesSz cx="6858000" cy="9144000"/>
@@ -77,7 +76,7 @@
         <a:latin typeface="+mj-lt"/>
         <a:ea typeface="+mj-ea"/>
         <a:cs typeface="+mj-cs"/>
-        <a:sym typeface="Arial"/>
+        <a:sym typeface="Helvetica"/>
       </a:defRPr>
     </a:lvl1pPr>
     <a:lvl2pPr marL="0" marR="0" indent="0" algn="l" defTabSz="914400" rtl="0" fontAlgn="auto" latinLnBrk="0" hangingPunct="0">
@@ -107,7 +106,7 @@
         <a:latin typeface="+mj-lt"/>
         <a:ea typeface="+mj-ea"/>
         <a:cs typeface="+mj-cs"/>
-        <a:sym typeface="Arial"/>
+        <a:sym typeface="Helvetica"/>
       </a:defRPr>
     </a:lvl2pPr>
     <a:lvl3pPr marL="0" marR="0" indent="0" algn="l" defTabSz="914400" rtl="0" fontAlgn="auto" latinLnBrk="0" hangingPunct="0">
@@ -137,7 +136,7 @@
         <a:latin typeface="+mj-lt"/>
         <a:ea typeface="+mj-ea"/>
         <a:cs typeface="+mj-cs"/>
-        <a:sym typeface="Arial"/>
+        <a:sym typeface="Helvetica"/>
       </a:defRPr>
     </a:lvl3pPr>
     <a:lvl4pPr marL="0" marR="0" indent="0" algn="l" defTabSz="914400" rtl="0" fontAlgn="auto" latinLnBrk="0" hangingPunct="0">
@@ -167,7 +166,7 @@
         <a:latin typeface="+mj-lt"/>
         <a:ea typeface="+mj-ea"/>
         <a:cs typeface="+mj-cs"/>
-        <a:sym typeface="Arial"/>
+        <a:sym typeface="Helvetica"/>
       </a:defRPr>
     </a:lvl4pPr>
     <a:lvl5pPr marL="0" marR="0" indent="0" algn="l" defTabSz="914400" rtl="0" fontAlgn="auto" latinLnBrk="0" hangingPunct="0">
@@ -197,7 +196,7 @@
         <a:latin typeface="+mj-lt"/>
         <a:ea typeface="+mj-ea"/>
         <a:cs typeface="+mj-cs"/>
-        <a:sym typeface="Arial"/>
+        <a:sym typeface="Helvetica"/>
       </a:defRPr>
     </a:lvl5pPr>
     <a:lvl6pPr marL="0" marR="0" indent="0" algn="l" defTabSz="914400" rtl="0" fontAlgn="auto" latinLnBrk="0" hangingPunct="0">
@@ -227,7 +226,7 @@
         <a:latin typeface="+mj-lt"/>
         <a:ea typeface="+mj-ea"/>
         <a:cs typeface="+mj-cs"/>
-        <a:sym typeface="Arial"/>
+        <a:sym typeface="Helvetica"/>
       </a:defRPr>
     </a:lvl6pPr>
     <a:lvl7pPr marL="0" marR="0" indent="0" algn="l" defTabSz="914400" rtl="0" fontAlgn="auto" latinLnBrk="0" hangingPunct="0">
@@ -257,7 +256,7 @@
         <a:latin typeface="+mj-lt"/>
         <a:ea typeface="+mj-ea"/>
         <a:cs typeface="+mj-cs"/>
-        <a:sym typeface="Arial"/>
+        <a:sym typeface="Helvetica"/>
       </a:defRPr>
     </a:lvl7pPr>
     <a:lvl8pPr marL="0" marR="0" indent="0" algn="l" defTabSz="914400" rtl="0" fontAlgn="auto" latinLnBrk="0" hangingPunct="0">
@@ -287,7 +286,7 @@
         <a:latin typeface="+mj-lt"/>
         <a:ea typeface="+mj-ea"/>
         <a:cs typeface="+mj-cs"/>
-        <a:sym typeface="Arial"/>
+        <a:sym typeface="Helvetica"/>
       </a:defRPr>
     </a:lvl8pPr>
     <a:lvl9pPr marL="0" marR="0" indent="0" algn="l" defTabSz="914400" rtl="0" fontAlgn="auto" latinLnBrk="0" hangingPunct="0">
@@ -317,7 +316,7 @@
         <a:latin typeface="+mj-lt"/>
         <a:ea typeface="+mj-ea"/>
         <a:cs typeface="+mj-cs"/>
-        <a:sym typeface="Arial"/>
+        <a:sym typeface="Helvetica"/>
       </a:defRPr>
     </a:lvl9pPr>
   </p:defaultTextStyle>
@@ -401,73 +400,73 @@
   <p:notesStyle>
     <a:lvl1pPr latinLnBrk="0">
       <a:defRPr sz="1400">
-        <a:latin typeface="+mj-lt"/>
-        <a:ea typeface="+mj-ea"/>
-        <a:cs typeface="+mj-cs"/>
+        <a:latin typeface="+mn-lt"/>
+        <a:ea typeface="+mn-ea"/>
+        <a:cs typeface="+mn-cs"/>
         <a:sym typeface="Arial"/>
       </a:defRPr>
     </a:lvl1pPr>
     <a:lvl2pPr indent="228600" latinLnBrk="0">
       <a:defRPr sz="1400">
-        <a:latin typeface="+mj-lt"/>
-        <a:ea typeface="+mj-ea"/>
-        <a:cs typeface="+mj-cs"/>
+        <a:latin typeface="+mn-lt"/>
+        <a:ea typeface="+mn-ea"/>
+        <a:cs typeface="+mn-cs"/>
         <a:sym typeface="Arial"/>
       </a:defRPr>
     </a:lvl2pPr>
     <a:lvl3pPr indent="457200" latinLnBrk="0">
       <a:defRPr sz="1400">
-        <a:latin typeface="+mj-lt"/>
-        <a:ea typeface="+mj-ea"/>
-        <a:cs typeface="+mj-cs"/>
+        <a:latin typeface="+mn-lt"/>
+        <a:ea typeface="+mn-ea"/>
+        <a:cs typeface="+mn-cs"/>
         <a:sym typeface="Arial"/>
       </a:defRPr>
     </a:lvl3pPr>
     <a:lvl4pPr indent="685800" latinLnBrk="0">
       <a:defRPr sz="1400">
-        <a:latin typeface="+mj-lt"/>
-        <a:ea typeface="+mj-ea"/>
-        <a:cs typeface="+mj-cs"/>
+        <a:latin typeface="+mn-lt"/>
+        <a:ea typeface="+mn-ea"/>
+        <a:cs typeface="+mn-cs"/>
         <a:sym typeface="Arial"/>
       </a:defRPr>
     </a:lvl4pPr>
     <a:lvl5pPr indent="914400" latinLnBrk="0">
       <a:defRPr sz="1400">
-        <a:latin typeface="+mj-lt"/>
-        <a:ea typeface="+mj-ea"/>
-        <a:cs typeface="+mj-cs"/>
+        <a:latin typeface="+mn-lt"/>
+        <a:ea typeface="+mn-ea"/>
+        <a:cs typeface="+mn-cs"/>
         <a:sym typeface="Arial"/>
       </a:defRPr>
     </a:lvl5pPr>
     <a:lvl6pPr indent="1143000" latinLnBrk="0">
       <a:defRPr sz="1400">
-        <a:latin typeface="+mj-lt"/>
-        <a:ea typeface="+mj-ea"/>
-        <a:cs typeface="+mj-cs"/>
+        <a:latin typeface="+mn-lt"/>
+        <a:ea typeface="+mn-ea"/>
+        <a:cs typeface="+mn-cs"/>
         <a:sym typeface="Arial"/>
       </a:defRPr>
     </a:lvl6pPr>
     <a:lvl7pPr indent="1371600" latinLnBrk="0">
       <a:defRPr sz="1400">
-        <a:latin typeface="+mj-lt"/>
-        <a:ea typeface="+mj-ea"/>
-        <a:cs typeface="+mj-cs"/>
+        <a:latin typeface="+mn-lt"/>
+        <a:ea typeface="+mn-ea"/>
+        <a:cs typeface="+mn-cs"/>
         <a:sym typeface="Arial"/>
       </a:defRPr>
     </a:lvl7pPr>
     <a:lvl8pPr indent="1600200" latinLnBrk="0">
       <a:defRPr sz="1400">
-        <a:latin typeface="+mj-lt"/>
-        <a:ea typeface="+mj-ea"/>
-        <a:cs typeface="+mj-cs"/>
+        <a:latin typeface="+mn-lt"/>
+        <a:ea typeface="+mn-ea"/>
+        <a:cs typeface="+mn-cs"/>
         <a:sym typeface="Arial"/>
       </a:defRPr>
     </a:lvl8pPr>
     <a:lvl9pPr indent="1828800" latinLnBrk="0">
       <a:defRPr sz="1400">
-        <a:latin typeface="+mj-lt"/>
-        <a:ea typeface="+mj-ea"/>
-        <a:cs typeface="+mj-cs"/>
+        <a:latin typeface="+mn-lt"/>
+        <a:ea typeface="+mn-ea"/>
+        <a:cs typeface="+mn-cs"/>
         <a:sym typeface="Arial"/>
       </a:defRPr>
     </a:lvl9pPr>
@@ -502,8 +501,8 @@
         </p:nvSpPr>
         <p:spPr>
           <a:xfrm>
-            <a:off x="311708" y="744574"/>
-            <a:ext cx="8520601" cy="2052601"/>
+            <a:off x="311708" y="744573"/>
+            <a:ext cx="8520601" cy="2052603"/>
           </a:xfrm>
           <a:prstGeom prst="rect">
             <a:avLst/>
@@ -534,8 +533,8 @@
         </p:nvSpPr>
         <p:spPr>
           <a:xfrm>
-            <a:off x="311699" y="2834125"/>
-            <a:ext cx="8520602" cy="792601"/>
+            <a:off x="311698" y="2834125"/>
+            <a:ext cx="8520603" cy="792602"/>
           </a:xfrm>
           <a:prstGeom prst="rect">
             <a:avLst/>
@@ -544,7 +543,7 @@
         <p:txBody>
           <a:bodyPr/>
           <a:lstStyle>
-            <a:lvl1pPr marL="342900" indent="-228600" algn="ctr">
+            <a:lvl1pPr marL="228600" indent="-114300" algn="ctr">
               <a:lnSpc>
                 <a:spcPct val="100000"/>
               </a:lnSpc>
@@ -554,7 +553,7 @@
               <a:buNone/>
               <a:defRPr sz="2800"/>
             </a:lvl1pPr>
-            <a:lvl2pPr marL="342900" indent="254000" algn="ctr">
+            <a:lvl2pPr marL="228600" indent="114300" algn="ctr">
               <a:lnSpc>
                 <a:spcPct val="100000"/>
               </a:lnSpc>
@@ -564,7 +563,7 @@
               <a:buNone/>
               <a:defRPr sz="2800"/>
             </a:lvl2pPr>
-            <a:lvl3pPr marL="342900" indent="711200" algn="ctr">
+            <a:lvl3pPr marL="228600" indent="114300" algn="ctr">
               <a:lnSpc>
                 <a:spcPct val="100000"/>
               </a:lnSpc>
@@ -574,7 +573,7 @@
               <a:buNone/>
               <a:defRPr sz="2800"/>
             </a:lvl3pPr>
-            <a:lvl4pPr marL="342900" indent="1168400" algn="ctr">
+            <a:lvl4pPr marL="228600" indent="114300" algn="ctr">
               <a:lnSpc>
                 <a:spcPct val="100000"/>
               </a:lnSpc>
@@ -584,7 +583,7 @@
               <a:buNone/>
               <a:defRPr sz="2800"/>
             </a:lvl4pPr>
-            <a:lvl5pPr marL="342900" indent="1625600" algn="ctr">
+            <a:lvl5pPr marL="228600" indent="114300" algn="ctr">
               <a:lnSpc>
                 <a:spcPct val="100000"/>
               </a:lnSpc>
@@ -685,8 +684,8 @@
         </p:nvSpPr>
         <p:spPr>
           <a:xfrm>
-            <a:off x="311699" y="1106125"/>
-            <a:ext cx="8520602" cy="1963500"/>
+            <a:off x="311698" y="1106125"/>
+            <a:ext cx="8520603" cy="1963500"/>
           </a:xfrm>
           <a:prstGeom prst="rect">
             <a:avLst/>
@@ -717,8 +716,8 @@
         </p:nvSpPr>
         <p:spPr>
           <a:xfrm>
-            <a:off x="311699" y="3152225"/>
-            <a:ext cx="8520602" cy="1300800"/>
+            <a:off x="311698" y="3152225"/>
+            <a:ext cx="8520603" cy="1300800"/>
           </a:xfrm>
           <a:prstGeom prst="rect">
             <a:avLst/>
@@ -871,8 +870,8 @@
         </p:nvSpPr>
         <p:spPr>
           <a:xfrm>
-            <a:off x="311699" y="2150849"/>
-            <a:ext cx="8520602" cy="841801"/>
+            <a:off x="311698" y="2150848"/>
+            <a:ext cx="8520603" cy="841802"/>
           </a:xfrm>
           <a:prstGeom prst="rect">
             <a:avLst/>
@@ -1095,8 +1094,8 @@
         </p:nvSpPr>
         <p:spPr>
           <a:xfrm>
-            <a:off x="311699" y="1152475"/>
-            <a:ext cx="3999902" cy="3416400"/>
+            <a:off x="311698" y="1152475"/>
+            <a:ext cx="3999903" cy="3416400"/>
           </a:xfrm>
           <a:prstGeom prst="rect">
             <a:avLst/>
@@ -1168,8 +1167,8 @@
         </p:nvSpPr>
         <p:spPr>
           <a:xfrm>
-            <a:off x="4832399" y="1152475"/>
-            <a:ext cx="3999902" cy="3416400"/>
+            <a:off x="4832398" y="1152475"/>
+            <a:ext cx="3999903" cy="3416400"/>
           </a:xfrm>
           <a:prstGeom prst="rect">
             <a:avLst/>
@@ -1179,10 +1178,7 @@
           <a:bodyPr/>
           <a:lstStyle/>
           <a:p>
-            <a:pPr indent="-317500">
-              <a:buSzPts val="1400"/>
-              <a:defRPr sz="1400"/>
-            </a:pPr>
+            <a:pPr/>
           </a:p>
         </p:txBody>
       </p:sp>
@@ -1316,8 +1312,8 @@
         </p:nvSpPr>
         <p:spPr>
           <a:xfrm>
-            <a:off x="311699" y="555600"/>
-            <a:ext cx="2808001" cy="755700"/>
+            <a:off x="311698" y="555600"/>
+            <a:ext cx="2808003" cy="755700"/>
           </a:xfrm>
           <a:prstGeom prst="rect">
             <a:avLst/>
@@ -1348,8 +1344,8 @@
         </p:nvSpPr>
         <p:spPr>
           <a:xfrm>
-            <a:off x="311699" y="1389599"/>
-            <a:ext cx="2808001" cy="3179401"/>
+            <a:off x="311698" y="1389598"/>
+            <a:ext cx="2808003" cy="3179403"/>
           </a:xfrm>
           <a:prstGeom prst="rect">
             <a:avLst/>
@@ -1469,8 +1465,8 @@
         </p:nvSpPr>
         <p:spPr>
           <a:xfrm>
-            <a:off x="490250" y="450149"/>
-            <a:ext cx="6367801" cy="4090801"/>
+            <a:off x="490250" y="450148"/>
+            <a:ext cx="6367801" cy="4090803"/>
           </a:xfrm>
           <a:prstGeom prst="rect">
             <a:avLst/>
@@ -1547,8 +1543,8 @@
         </p:nvSpPr>
         <p:spPr>
           <a:xfrm>
-            <a:off x="4572000" y="-125"/>
-            <a:ext cx="4572000" cy="5143501"/>
+            <a:off x="4572000" y="-126"/>
+            <a:ext cx="4572000" cy="5143503"/>
           </a:xfrm>
           <a:prstGeom prst="rect">
             <a:avLst/>
@@ -1564,7 +1560,14 @@
           <a:bodyPr lIns="0" tIns="0" rIns="0" bIns="0" anchor="ctr"/>
           <a:lstStyle/>
           <a:p>
-            <a:pPr/>
+            <a:pPr>
+              <a:defRPr>
+                <a:latin typeface="+mn-lt"/>
+                <a:ea typeface="+mn-ea"/>
+                <a:cs typeface="+mn-cs"/>
+                <a:sym typeface="Arial"/>
+              </a:defRPr>
+            </a:pPr>
           </a:p>
         </p:txBody>
       </p:sp>
@@ -1579,7 +1582,7 @@
         <p:spPr>
           <a:xfrm>
             <a:off x="265500" y="1233175"/>
-            <a:ext cx="4045200" cy="1482301"/>
+            <a:ext cx="4045200" cy="1482302"/>
           </a:xfrm>
           <a:prstGeom prst="rect">
             <a:avLst/>
@@ -1620,7 +1623,7 @@
         <p:txBody>
           <a:bodyPr/>
           <a:lstStyle>
-            <a:lvl1pPr marL="342900" indent="-228600" algn="ctr">
+            <a:lvl1pPr marL="228600" indent="-114300" algn="ctr">
               <a:lnSpc>
                 <a:spcPct val="100000"/>
               </a:lnSpc>
@@ -1630,7 +1633,7 @@
               <a:buNone/>
               <a:defRPr sz="2100"/>
             </a:lvl1pPr>
-            <a:lvl2pPr marL="342900" indent="254000" algn="ctr">
+            <a:lvl2pPr marL="228600" indent="114300" algn="ctr">
               <a:lnSpc>
                 <a:spcPct val="100000"/>
               </a:lnSpc>
@@ -1640,7 +1643,7 @@
               <a:buNone/>
               <a:defRPr sz="2100"/>
             </a:lvl2pPr>
-            <a:lvl3pPr marL="342900" indent="711200" algn="ctr">
+            <a:lvl3pPr marL="228600" indent="114300" algn="ctr">
               <a:lnSpc>
                 <a:spcPct val="100000"/>
               </a:lnSpc>
@@ -1650,7 +1653,7 @@
               <a:buNone/>
               <a:defRPr sz="2100"/>
             </a:lvl3pPr>
-            <a:lvl4pPr marL="342900" indent="1168400" algn="ctr">
+            <a:lvl4pPr marL="228600" indent="114300" algn="ctr">
               <a:lnSpc>
                 <a:spcPct val="100000"/>
               </a:lnSpc>
@@ -1660,7 +1663,7 @@
               <a:buNone/>
               <a:defRPr sz="2100"/>
             </a:lvl4pPr>
-            <a:lvl5pPr marL="342900" indent="1625600" algn="ctr">
+            <a:lvl5pPr marL="228600" indent="114300" algn="ctr">
               <a:lnSpc>
                 <a:spcPct val="100000"/>
               </a:lnSpc>
@@ -1786,8 +1789,8 @@
         </p:nvSpPr>
         <p:spPr>
           <a:xfrm>
-            <a:off x="311699" y="4230575"/>
-            <a:ext cx="5998802" cy="605101"/>
+            <a:off x="311698" y="4230575"/>
+            <a:ext cx="5998804" cy="605102"/>
           </a:xfrm>
           <a:prstGeom prst="rect">
             <a:avLst/>
@@ -1796,7 +1799,7 @@
         <p:txBody>
           <a:bodyPr anchor="ctr"/>
           <a:lstStyle>
-            <a:lvl1pPr marL="228600" indent="0">
+            <a:lvl1pPr marL="0" indent="228600">
               <a:lnSpc>
                 <a:spcPct val="100000"/>
               </a:lnSpc>
@@ -1931,8 +1934,8 @@
         </p:nvSpPr>
         <p:spPr>
           <a:xfrm>
-            <a:off x="311699" y="445025"/>
-            <a:ext cx="8520602" cy="572701"/>
+            <a:off x="311698" y="445025"/>
+            <a:ext cx="8520603" cy="572702"/>
           </a:xfrm>
           <a:prstGeom prst="rect">
             <a:avLst/>
@@ -1947,7 +1950,7 @@
           </a:extLst>
         </p:spPr>
         <p:txBody>
-          <a:bodyPr lIns="91424" tIns="91424" rIns="91424" bIns="91424">
+          <a:bodyPr lIns="91423" tIns="91423" rIns="91423" bIns="91423">
             <a:normAutofit fontScale="100000" lnSpcReduction="0"/>
           </a:bodyPr>
           <a:lstStyle/>
@@ -1969,8 +1972,8 @@
         </p:nvSpPr>
         <p:spPr>
           <a:xfrm>
-            <a:off x="311699" y="1152475"/>
-            <a:ext cx="8520602" cy="3416400"/>
+            <a:off x="311698" y="1152475"/>
+            <a:ext cx="8520603" cy="3416400"/>
           </a:xfrm>
           <a:prstGeom prst="rect">
             <a:avLst/>
@@ -1985,7 +1988,7 @@
           </a:extLst>
         </p:spPr>
         <p:txBody>
-          <a:bodyPr lIns="91424" tIns="91424" rIns="91424" bIns="91424">
+          <a:bodyPr lIns="91423" tIns="91423" rIns="91423" bIns="91423">
             <a:normAutofit fontScale="100000" lnSpcReduction="0"/>
           </a:bodyPr>
           <a:lstStyle/>
@@ -2031,8 +2034,8 @@
         </p:nvSpPr>
         <p:spPr>
           <a:xfrm>
-            <a:off x="8684345" y="4700819"/>
-            <a:ext cx="336814" cy="318396"/>
+            <a:off x="8684348" y="4700820"/>
+            <a:ext cx="336812" cy="318394"/>
           </a:xfrm>
           <a:prstGeom prst="rect">
             <a:avLst/>
@@ -2042,17 +2045,19 @@
           </a:ln>
         </p:spPr>
         <p:txBody>
-          <a:bodyPr wrap="none" lIns="91424" tIns="91424" rIns="91424" bIns="91424" anchor="ctr">
+          <a:bodyPr wrap="none" lIns="91423" tIns="91423" rIns="91423" bIns="91423" anchor="ctr">
             <a:normAutofit fontScale="100000" lnSpcReduction="0"/>
           </a:bodyPr>
           <a:lstStyle>
             <a:lvl1pPr algn="r">
               <a:defRPr sz="1000">
                 <a:solidFill>
-                  <a:schemeClr val="accent2">
-                    <a:lumOff val="21764"/>
-                  </a:schemeClr>
+                  <a:srgbClr val="585858"/>
                 </a:solidFill>
+                <a:latin typeface="+mn-lt"/>
+                <a:ea typeface="+mn-ea"/>
+                <a:cs typeface="+mn-cs"/>
+                <a:sym typeface="Arial"/>
               </a:defRPr>
             </a:lvl1pPr>
           </a:lstStyle>
@@ -2101,9 +2106,9 @@
             <a:srgbClr val="000000"/>
           </a:solidFill>
           <a:uFillTx/>
-          <a:latin typeface="+mj-lt"/>
-          <a:ea typeface="+mj-ea"/>
-          <a:cs typeface="+mj-cs"/>
+          <a:latin typeface="+mn-lt"/>
+          <a:ea typeface="+mn-ea"/>
+          <a:cs typeface="+mn-cs"/>
           <a:sym typeface="Arial"/>
         </a:defRPr>
       </a:lvl1pPr>
@@ -2127,9 +2132,9 @@
             <a:srgbClr val="000000"/>
           </a:solidFill>
           <a:uFillTx/>
-          <a:latin typeface="+mj-lt"/>
-          <a:ea typeface="+mj-ea"/>
-          <a:cs typeface="+mj-cs"/>
+          <a:latin typeface="+mn-lt"/>
+          <a:ea typeface="+mn-ea"/>
+          <a:cs typeface="+mn-cs"/>
           <a:sym typeface="Arial"/>
         </a:defRPr>
       </a:lvl2pPr>
@@ -2153,9 +2158,9 @@
             <a:srgbClr val="000000"/>
           </a:solidFill>
           <a:uFillTx/>
-          <a:latin typeface="+mj-lt"/>
-          <a:ea typeface="+mj-ea"/>
-          <a:cs typeface="+mj-cs"/>
+          <a:latin typeface="+mn-lt"/>
+          <a:ea typeface="+mn-ea"/>
+          <a:cs typeface="+mn-cs"/>
           <a:sym typeface="Arial"/>
         </a:defRPr>
       </a:lvl3pPr>
@@ -2179,9 +2184,9 @@
             <a:srgbClr val="000000"/>
           </a:solidFill>
           <a:uFillTx/>
-          <a:latin typeface="+mj-lt"/>
-          <a:ea typeface="+mj-ea"/>
-          <a:cs typeface="+mj-cs"/>
+          <a:latin typeface="+mn-lt"/>
+          <a:ea typeface="+mn-ea"/>
+          <a:cs typeface="+mn-cs"/>
           <a:sym typeface="Arial"/>
         </a:defRPr>
       </a:lvl4pPr>
@@ -2205,9 +2210,9 @@
             <a:srgbClr val="000000"/>
           </a:solidFill>
           <a:uFillTx/>
-          <a:latin typeface="+mj-lt"/>
-          <a:ea typeface="+mj-ea"/>
-          <a:cs typeface="+mj-cs"/>
+          <a:latin typeface="+mn-lt"/>
+          <a:ea typeface="+mn-ea"/>
+          <a:cs typeface="+mn-cs"/>
           <a:sym typeface="Arial"/>
         </a:defRPr>
       </a:lvl5pPr>
@@ -2231,9 +2236,9 @@
             <a:srgbClr val="000000"/>
           </a:solidFill>
           <a:uFillTx/>
-          <a:latin typeface="+mj-lt"/>
-          <a:ea typeface="+mj-ea"/>
-          <a:cs typeface="+mj-cs"/>
+          <a:latin typeface="+mn-lt"/>
+          <a:ea typeface="+mn-ea"/>
+          <a:cs typeface="+mn-cs"/>
           <a:sym typeface="Arial"/>
         </a:defRPr>
       </a:lvl6pPr>
@@ -2257,9 +2262,9 @@
             <a:srgbClr val="000000"/>
           </a:solidFill>
           <a:uFillTx/>
-          <a:latin typeface="+mj-lt"/>
-          <a:ea typeface="+mj-ea"/>
-          <a:cs typeface="+mj-cs"/>
+          <a:latin typeface="+mn-lt"/>
+          <a:ea typeface="+mn-ea"/>
+          <a:cs typeface="+mn-cs"/>
           <a:sym typeface="Arial"/>
         </a:defRPr>
       </a:lvl7pPr>
@@ -2283,9 +2288,9 @@
             <a:srgbClr val="000000"/>
           </a:solidFill>
           <a:uFillTx/>
-          <a:latin typeface="+mj-lt"/>
-          <a:ea typeface="+mj-ea"/>
-          <a:cs typeface="+mj-cs"/>
+          <a:latin typeface="+mn-lt"/>
+          <a:ea typeface="+mn-ea"/>
+          <a:cs typeface="+mn-cs"/>
           <a:sym typeface="Arial"/>
         </a:defRPr>
       </a:lvl8pPr>
@@ -2309,9 +2314,9 @@
             <a:srgbClr val="000000"/>
           </a:solidFill>
           <a:uFillTx/>
-          <a:latin typeface="+mj-lt"/>
-          <a:ea typeface="+mj-ea"/>
-          <a:cs typeface="+mj-cs"/>
+          <a:latin typeface="+mn-lt"/>
+          <a:ea typeface="+mn-ea"/>
+          <a:cs typeface="+mn-cs"/>
           <a:sym typeface="Arial"/>
         </a:defRPr>
       </a:lvl9pPr>
@@ -2328,9 +2333,7 @@
           <a:spcPts val="0"/>
         </a:spcAft>
         <a:buClr>
-          <a:schemeClr val="accent2">
-            <a:lumOff val="21764"/>
-          </a:schemeClr>
+          <a:srgbClr val="585858"/>
         </a:buClr>
         <a:buSzPts val="1800"/>
         <a:buFont typeface="Arial"/>
@@ -2338,18 +2341,16 @@
         <a:tabLst/>
         <a:defRPr b="0" baseline="0" cap="none" i="0" spc="0" strike="noStrike" sz="1800" u="none">
           <a:solidFill>
-            <a:schemeClr val="accent2">
-              <a:lumOff val="21764"/>
-            </a:schemeClr>
+            <a:srgbClr val="585858"/>
           </a:solidFill>
           <a:uFillTx/>
-          <a:latin typeface="+mj-lt"/>
-          <a:ea typeface="+mj-ea"/>
-          <a:cs typeface="+mj-cs"/>
+          <a:latin typeface="+mn-lt"/>
+          <a:ea typeface="+mn-ea"/>
+          <a:cs typeface="+mn-cs"/>
           <a:sym typeface="Arial"/>
         </a:defRPr>
       </a:lvl1pPr>
-      <a:lvl2pPr marL="1005114" marR="0" indent="-408214" algn="l" defTabSz="914400" rtl="0" latinLnBrk="0">
+      <a:lvl2pPr marL="1005114" marR="0" indent="-408213" algn="l" defTabSz="914400" rtl="0" latinLnBrk="0">
         <a:lnSpc>
           <a:spcPct val="115000"/>
         </a:lnSpc>
@@ -2360,9 +2361,7 @@
           <a:spcPts val="0"/>
         </a:spcAft>
         <a:buClr>
-          <a:schemeClr val="accent2">
-            <a:lumOff val="21764"/>
-          </a:schemeClr>
+          <a:srgbClr val="585858"/>
         </a:buClr>
         <a:buSzPts val="1800"/>
         <a:buFont typeface="Arial"/>
@@ -2370,14 +2369,12 @@
         <a:tabLst/>
         <a:defRPr b="0" baseline="0" cap="none" i="0" spc="0" strike="noStrike" sz="1800" u="none">
           <a:solidFill>
-            <a:schemeClr val="accent2">
-              <a:lumOff val="21764"/>
-            </a:schemeClr>
+            <a:srgbClr val="585858"/>
           </a:solidFill>
           <a:uFillTx/>
-          <a:latin typeface="+mj-lt"/>
-          <a:ea typeface="+mj-ea"/>
-          <a:cs typeface="+mj-cs"/>
+          <a:latin typeface="+mn-lt"/>
+          <a:ea typeface="+mn-ea"/>
+          <a:cs typeface="+mn-cs"/>
           <a:sym typeface="Arial"/>
         </a:defRPr>
       </a:lvl2pPr>
@@ -2392,9 +2389,7 @@
           <a:spcPts val="0"/>
         </a:spcAft>
         <a:buClr>
-          <a:schemeClr val="accent2">
-            <a:lumOff val="21764"/>
-          </a:schemeClr>
+          <a:srgbClr val="585858"/>
         </a:buClr>
         <a:buSzPts val="1800"/>
         <a:buFont typeface="Arial"/>
@@ -2402,14 +2397,12 @@
         <a:tabLst/>
         <a:defRPr b="0" baseline="0" cap="none" i="0" spc="0" strike="noStrike" sz="1800" u="none">
           <a:solidFill>
-            <a:schemeClr val="accent2">
-              <a:lumOff val="21764"/>
-            </a:schemeClr>
+            <a:srgbClr val="585858"/>
           </a:solidFill>
           <a:uFillTx/>
-          <a:latin typeface="+mj-lt"/>
-          <a:ea typeface="+mj-ea"/>
-          <a:cs typeface="+mj-cs"/>
+          <a:latin typeface="+mn-lt"/>
+          <a:ea typeface="+mn-ea"/>
+          <a:cs typeface="+mn-cs"/>
           <a:sym typeface="Arial"/>
         </a:defRPr>
       </a:lvl3pPr>
@@ -2424,9 +2417,7 @@
           <a:spcPts val="0"/>
         </a:spcAft>
         <a:buClr>
-          <a:schemeClr val="accent2">
-            <a:lumOff val="21764"/>
-          </a:schemeClr>
+          <a:srgbClr val="585858"/>
         </a:buClr>
         <a:buSzPts val="1800"/>
         <a:buFont typeface="Arial"/>
@@ -2434,14 +2425,12 @@
         <a:tabLst/>
         <a:defRPr b="0" baseline="0" cap="none" i="0" spc="0" strike="noStrike" sz="1800" u="none">
           <a:solidFill>
-            <a:schemeClr val="accent2">
-              <a:lumOff val="21764"/>
-            </a:schemeClr>
+            <a:srgbClr val="585858"/>
           </a:solidFill>
           <a:uFillTx/>
-          <a:latin typeface="+mj-lt"/>
-          <a:ea typeface="+mj-ea"/>
-          <a:cs typeface="+mj-cs"/>
+          <a:latin typeface="+mn-lt"/>
+          <a:ea typeface="+mn-ea"/>
+          <a:cs typeface="+mn-cs"/>
           <a:sym typeface="Arial"/>
         </a:defRPr>
       </a:lvl4pPr>
@@ -2456,9 +2445,7 @@
           <a:spcPts val="0"/>
         </a:spcAft>
         <a:buClr>
-          <a:schemeClr val="accent2">
-            <a:lumOff val="21764"/>
-          </a:schemeClr>
+          <a:srgbClr val="585858"/>
         </a:buClr>
         <a:buSzPts val="1800"/>
         <a:buFont typeface="Arial"/>
@@ -2466,14 +2453,12 @@
         <a:tabLst/>
         <a:defRPr b="0" baseline="0" cap="none" i="0" spc="0" strike="noStrike" sz="1800" u="none">
           <a:solidFill>
-            <a:schemeClr val="accent2">
-              <a:lumOff val="21764"/>
-            </a:schemeClr>
+            <a:srgbClr val="585858"/>
           </a:solidFill>
           <a:uFillTx/>
-          <a:latin typeface="+mj-lt"/>
-          <a:ea typeface="+mj-ea"/>
-          <a:cs typeface="+mj-cs"/>
+          <a:latin typeface="+mn-lt"/>
+          <a:ea typeface="+mn-ea"/>
+          <a:cs typeface="+mn-cs"/>
           <a:sym typeface="Arial"/>
         </a:defRPr>
       </a:lvl5pPr>
@@ -2488,9 +2473,7 @@
           <a:spcPts val="0"/>
         </a:spcAft>
         <a:buClr>
-          <a:schemeClr val="accent2">
-            <a:lumOff val="21764"/>
-          </a:schemeClr>
+          <a:srgbClr val="585858"/>
         </a:buClr>
         <a:buSzPts val="1800"/>
         <a:buFont typeface="Arial"/>
@@ -2498,18 +2481,16 @@
         <a:tabLst/>
         <a:defRPr b="0" baseline="0" cap="none" i="0" spc="0" strike="noStrike" sz="1800" u="none">
           <a:solidFill>
-            <a:schemeClr val="accent2">
-              <a:lumOff val="21764"/>
-            </a:schemeClr>
+            <a:srgbClr val="585858"/>
           </a:solidFill>
           <a:uFillTx/>
-          <a:latin typeface="+mj-lt"/>
-          <a:ea typeface="+mj-ea"/>
-          <a:cs typeface="+mj-cs"/>
+          <a:latin typeface="+mn-lt"/>
+          <a:ea typeface="+mn-ea"/>
+          <a:cs typeface="+mn-cs"/>
           <a:sym typeface="Arial"/>
         </a:defRPr>
       </a:lvl6pPr>
-      <a:lvl7pPr marL="3291114" marR="0" indent="-408214" algn="l" defTabSz="914400" rtl="0" latinLnBrk="0">
+      <a:lvl7pPr marL="3291113" marR="0" indent="-408214" algn="l" defTabSz="914400" rtl="0" latinLnBrk="0">
         <a:lnSpc>
           <a:spcPct val="115000"/>
         </a:lnSpc>
@@ -2520,9 +2501,7 @@
           <a:spcPts val="0"/>
         </a:spcAft>
         <a:buClr>
-          <a:schemeClr val="accent2">
-            <a:lumOff val="21764"/>
-          </a:schemeClr>
+          <a:srgbClr val="585858"/>
         </a:buClr>
         <a:buSzPts val="1800"/>
         <a:buFont typeface="Arial"/>
@@ -2530,18 +2509,16 @@
         <a:tabLst/>
         <a:defRPr b="0" baseline="0" cap="none" i="0" spc="0" strike="noStrike" sz="1800" u="none">
           <a:solidFill>
-            <a:schemeClr val="accent2">
-              <a:lumOff val="21764"/>
-            </a:schemeClr>
+            <a:srgbClr val="585858"/>
           </a:solidFill>
           <a:uFillTx/>
-          <a:latin typeface="+mj-lt"/>
-          <a:ea typeface="+mj-ea"/>
-          <a:cs typeface="+mj-cs"/>
+          <a:latin typeface="+mn-lt"/>
+          <a:ea typeface="+mn-ea"/>
+          <a:cs typeface="+mn-cs"/>
           <a:sym typeface="Arial"/>
         </a:defRPr>
       </a:lvl7pPr>
-      <a:lvl8pPr marL="3748314" marR="0" indent="-408214" algn="l" defTabSz="914400" rtl="0" latinLnBrk="0">
+      <a:lvl8pPr marL="3748313" marR="0" indent="-408213" algn="l" defTabSz="914400" rtl="0" latinLnBrk="0">
         <a:lnSpc>
           <a:spcPct val="115000"/>
         </a:lnSpc>
@@ -2552,9 +2529,7 @@
           <a:spcPts val="0"/>
         </a:spcAft>
         <a:buClr>
-          <a:schemeClr val="accent2">
-            <a:lumOff val="21764"/>
-          </a:schemeClr>
+          <a:srgbClr val="585858"/>
         </a:buClr>
         <a:buSzPts val="1800"/>
         <a:buFont typeface="Arial"/>
@@ -2562,18 +2537,16 @@
         <a:tabLst/>
         <a:defRPr b="0" baseline="0" cap="none" i="0" spc="0" strike="noStrike" sz="1800" u="none">
           <a:solidFill>
-            <a:schemeClr val="accent2">
-              <a:lumOff val="21764"/>
-            </a:schemeClr>
+            <a:srgbClr val="585858"/>
           </a:solidFill>
           <a:uFillTx/>
-          <a:latin typeface="+mj-lt"/>
-          <a:ea typeface="+mj-ea"/>
-          <a:cs typeface="+mj-cs"/>
+          <a:latin typeface="+mn-lt"/>
+          <a:ea typeface="+mn-ea"/>
+          <a:cs typeface="+mn-cs"/>
           <a:sym typeface="Arial"/>
         </a:defRPr>
       </a:lvl8pPr>
-      <a:lvl9pPr marL="4205514" marR="0" indent="-408214" algn="l" defTabSz="914400" rtl="0" latinLnBrk="0">
+      <a:lvl9pPr marL="4205513" marR="0" indent="-408213" algn="l" defTabSz="914400" rtl="0" latinLnBrk="0">
         <a:lnSpc>
           <a:spcPct val="115000"/>
         </a:lnSpc>
@@ -2584,9 +2557,7 @@
           <a:spcPts val="0"/>
         </a:spcAft>
         <a:buClr>
-          <a:schemeClr val="accent2">
-            <a:lumOff val="21764"/>
-          </a:schemeClr>
+          <a:srgbClr val="585858"/>
         </a:buClr>
         <a:buSzPts val="1800"/>
         <a:buFont typeface="Arial"/>
@@ -2594,14 +2565,12 @@
         <a:tabLst/>
         <a:defRPr b="0" baseline="0" cap="none" i="0" spc="0" strike="noStrike" sz="1800" u="none">
           <a:solidFill>
-            <a:schemeClr val="accent2">
-              <a:lumOff val="21764"/>
-            </a:schemeClr>
+            <a:srgbClr val="585858"/>
           </a:solidFill>
           <a:uFillTx/>
-          <a:latin typeface="+mj-lt"/>
-          <a:ea typeface="+mj-ea"/>
-          <a:cs typeface="+mj-cs"/>
+          <a:latin typeface="+mn-lt"/>
+          <a:ea typeface="+mn-ea"/>
+          <a:cs typeface="+mn-cs"/>
           <a:sym typeface="Arial"/>
         </a:defRPr>
       </a:lvl9pPr>
@@ -2849,6 +2818,13 @@
 <file path=ppt/slides/slide1.xml><?xml version="1.0" encoding="utf-8"?>
 <p:sld xmlns:a="http://schemas.openxmlformats.org/drawingml/2006/main" xmlns:r="http://schemas.openxmlformats.org/officeDocument/2006/relationships" xmlns:p="http://schemas.openxmlformats.org/presentationml/2006/main" xmlns:m="http://schemas.openxmlformats.org/officeDocument/2006/math" xmlns:a14="http://schemas.microsoft.com/office/drawing/2010/main" showMasterSp="1" showMasterPhAnim="1">
   <p:cSld>
+    <p:bg>
+      <p:bgPr>
+        <a:solidFill>
+          <a:srgbClr val="EBF5EE"/>
+        </a:solidFill>
+      </p:bgPr>
+    </p:bg>
     <p:spTree>
       <p:nvGrpSpPr>
         <p:cNvPr id="1" name=""/>
@@ -2873,8 +2849,8 @@
         </p:nvSpPr>
         <p:spPr>
           <a:xfrm>
-            <a:off x="366665" y="4140115"/>
-            <a:ext cx="8520602" cy="792601"/>
+            <a:off x="311699" y="4034097"/>
+            <a:ext cx="8520602" cy="792602"/>
           </a:xfrm>
           <a:prstGeom prst="rect">
             <a:avLst/>
@@ -2886,7 +2862,7 @@
             <a:lvl1pPr marL="0" indent="0">
               <a:defRPr sz="2000">
                 <a:solidFill>
-                  <a:srgbClr val="6FC5BD"/>
+                  <a:srgbClr val="EF8E74"/>
                 </a:solidFill>
                 <a:latin typeface="Caveat"/>
                 <a:ea typeface="Caveat"/>
@@ -2903,9 +2879,44 @@
           </a:p>
         </p:txBody>
       </p:sp>
+      <p:sp>
+        <p:nvSpPr>
+          <p:cNvPr id="110" name="Google Shape;56;p13"/>
+          <p:cNvSpPr/>
+          <p:nvPr/>
+        </p:nvSpPr>
+        <p:spPr>
+          <a:xfrm>
+            <a:off x="1820310" y="3975447"/>
+            <a:ext cx="5619475" cy="681302"/>
+          </a:xfrm>
+          <a:prstGeom prst="rect">
+            <a:avLst/>
+          </a:prstGeom>
+          <a:ln w="38100">
+            <a:solidFill>
+              <a:srgbClr val="6792C7"/>
+            </a:solidFill>
+          </a:ln>
+        </p:spPr>
+        <p:txBody>
+          <a:bodyPr lIns="0" tIns="0" rIns="0" bIns="0" anchor="ctr"/>
+          <a:lstStyle/>
+          <a:p>
+            <a:pPr algn="ctr">
+              <a:defRPr>
+                <a:latin typeface="+mn-lt"/>
+                <a:ea typeface="+mn-ea"/>
+                <a:cs typeface="+mn-cs"/>
+                <a:sym typeface="Arial"/>
+              </a:defRPr>
+            </a:pPr>
+          </a:p>
+        </p:txBody>
+      </p:sp>
       <p:pic>
         <p:nvPicPr>
-          <p:cNvPr id="110" name="CalmStepLogo.jpgGoogle Shape;55;p13" descr="CalmStepLogo.jpgGoogle Shape;55;p13"/>
+          <p:cNvPr id="111" name="Picture 3" descr="Picture 3"/>
           <p:cNvPicPr>
             <a:picLocks noChangeAspect="1"/>
           </p:cNvPicPr>
@@ -2921,8 +2932,8 @@
         </p:blipFill>
         <p:spPr>
           <a:xfrm>
-            <a:off x="2381488" y="343919"/>
-            <a:ext cx="4117276" cy="3887250"/>
+            <a:off x="2965173" y="390939"/>
+            <a:ext cx="3213653" cy="3213653"/>
           </a:xfrm>
           <a:prstGeom prst="rect">
             <a:avLst/>
@@ -2932,34 +2943,6 @@
           </a:ln>
         </p:spPr>
       </p:pic>
-      <p:sp>
-        <p:nvSpPr>
-          <p:cNvPr id="111" name="Google Shape;56;p13"/>
-          <p:cNvSpPr/>
-          <p:nvPr/>
-        </p:nvSpPr>
-        <p:spPr>
-          <a:xfrm>
-            <a:off x="1817229" y="4055343"/>
-            <a:ext cx="5619474" cy="681301"/>
-          </a:xfrm>
-          <a:prstGeom prst="rect">
-            <a:avLst/>
-          </a:prstGeom>
-          <a:ln w="38100">
-            <a:solidFill>
-              <a:srgbClr val="856886"/>
-            </a:solidFill>
-          </a:ln>
-        </p:spPr>
-        <p:txBody>
-          <a:bodyPr lIns="0" tIns="0" rIns="0" bIns="0" anchor="ctr"/>
-          <a:lstStyle/>
-          <a:p>
-            <a:pPr algn="ctr"/>
-          </a:p>
-        </p:txBody>
-      </p:sp>
     </p:spTree>
   </p:cSld>
   <p:clrMapOvr>
@@ -2972,6 +2955,13 @@
 <file path=ppt/slides/slide10.xml><?xml version="1.0" encoding="utf-8"?>
 <p:sld xmlns:a="http://schemas.openxmlformats.org/drawingml/2006/main" xmlns:r="http://schemas.openxmlformats.org/officeDocument/2006/relationships" xmlns:p="http://schemas.openxmlformats.org/presentationml/2006/main" xmlns:m="http://schemas.openxmlformats.org/officeDocument/2006/math" xmlns:a14="http://schemas.microsoft.com/office/drawing/2010/main" showMasterSp="1" showMasterPhAnim="1">
   <p:cSld>
+    <p:bg>
+      <p:bgPr>
+        <a:solidFill>
+          <a:srgbClr val="EBF5EE"/>
+        </a:solidFill>
+      </p:bgPr>
+    </p:bg>
     <p:spTree>
       <p:nvGrpSpPr>
         <p:cNvPr id="1" name=""/>
@@ -2988,7 +2978,7 @@
       </p:grpSpPr>
       <p:sp>
         <p:nvSpPr>
-          <p:cNvPr id="147" name="Google Shape;75;p16"/>
+          <p:cNvPr id="157" name="Google Shape;75;p16"/>
           <p:cNvSpPr txBox="1"/>
           <p:nvPr>
             <p:ph type="title"/>
@@ -2997,7 +2987,7 @@
         <p:spPr>
           <a:xfrm>
             <a:off x="311699" y="445025"/>
-            <a:ext cx="8520602" cy="572701"/>
+            <a:ext cx="8520602" cy="572702"/>
           </a:xfrm>
           <a:prstGeom prst="rect">
             <a:avLst/>
@@ -3009,7 +2999,7 @@
             <a:lvl1pPr algn="ctr">
               <a:defRPr sz="2500">
                 <a:solidFill>
-                  <a:srgbClr val="168C80"/>
+                  <a:srgbClr val="EF8B67"/>
                 </a:solidFill>
               </a:defRPr>
             </a:lvl1pPr>
@@ -3017,23 +3007,23 @@
           <a:p>
             <a:pPr/>
             <a:r>
-              <a:t>Market Fit &amp; Target Users</a:t>
+              <a:t>Why CalmStep Works</a:t>
             </a:r>
           </a:p>
         </p:txBody>
       </p:sp>
       <p:sp>
         <p:nvSpPr>
-          <p:cNvPr id="148" name="Google Shape;76;p16"/>
+          <p:cNvPr id="158" name="Google Shape;76;p16"/>
           <p:cNvSpPr txBox="1"/>
           <p:nvPr>
-            <p:ph type="body" idx="1"/>
+            <p:ph type="body" sz="half" idx="1"/>
           </p:nvPr>
         </p:nvSpPr>
         <p:spPr>
           <a:xfrm>
-            <a:off x="311699" y="1152475"/>
-            <a:ext cx="8520602" cy="3416400"/>
+            <a:off x="206140" y="1178864"/>
+            <a:ext cx="4733694" cy="3627518"/>
           </a:xfrm>
           <a:prstGeom prst="rect">
             <a:avLst/>
@@ -3043,141 +3033,256 @@
           <a:bodyPr/>
           <a:lstStyle/>
           <a:p>
-            <a:pPr marL="0" indent="0">
+            <a:pPr marL="364336" indent="-246988">
+              <a:lnSpc>
+                <a:spcPct val="135000"/>
+              </a:lnSpc>
               <a:spcBef>
-                <a:spcPts val="1200"/>
-              </a:spcBef>
-              <a:buSzTx/>
-              <a:buNone/>
-              <a:defRPr b="1" sz="1600">
-                <a:solidFill>
-                  <a:srgbClr val="856886"/>
-                </a:solidFill>
-              </a:defRPr>
-            </a:pPr>
-            <a:r>
-              <a:t>Target Users</a:t>
-            </a:r>
-          </a:p>
-          <a:p>
-            <a:pPr marL="435610" indent="-302260">
-              <a:spcBef>
-                <a:spcPts val="1200"/>
+                <a:spcPts val="1000"/>
               </a:spcBef>
               <a:buClr>
-                <a:srgbClr val="856886"/>
+                <a:srgbClr val="6792C7"/>
               </a:buClr>
-              <a:buSzPts val="1400"/>
+              <a:buSzPts val="1100"/>
               <a:buChar char="➔"/>
-              <a:defRPr sz="1400">
+              <a:tabLst>
+                <a:tab pos="50800" algn="r"/>
+                <a:tab pos="139700" algn="l"/>
+              </a:tabLst>
+              <a:defRPr sz="1144">
                 <a:solidFill>
-                  <a:srgbClr val="000000"/>
+                  <a:srgbClr val="111111"/>
                 </a:solidFill>
+                <a:latin typeface="+mj-lt"/>
+                <a:ea typeface="+mj-ea"/>
+                <a:cs typeface="+mj-cs"/>
+                <a:sym typeface="Helvetica"/>
               </a:defRPr>
             </a:pPr>
             <a:r>
-              <a:t>People who experience panic attacks or even milder symptoms, including racing heart or dizziness</a:t>
-            </a:r>
-          </a:p>
-          <a:p>
-            <a:pPr marL="435610" indent="-302260">
+              <a:t>There are a ton of other mental health apps out there but most of them focus on </a:t>
+            </a:r>
+            <a:r>
+              <a:rPr>
+                <a:latin typeface="Helvetica Neue"/>
+                <a:ea typeface="Helvetica Neue"/>
+                <a:cs typeface="Helvetica Neue"/>
+                <a:sym typeface="Helvetica Neue"/>
+              </a:rPr>
+              <a:t>daily meditation</a:t>
+            </a:r>
+            <a:r>
+              <a:t>, </a:t>
+            </a:r>
+            <a:r>
+              <a:rPr>
+                <a:latin typeface="Helvetica Neue"/>
+                <a:ea typeface="Helvetica Neue"/>
+                <a:cs typeface="Helvetica Neue"/>
+                <a:sym typeface="Helvetica Neue"/>
+              </a:rPr>
+              <a:t>tracking</a:t>
+            </a:r>
+            <a:r>
+              <a:t>, or </a:t>
+            </a:r>
+            <a:r>
+              <a:rPr>
+                <a:latin typeface="Helvetica Neue"/>
+                <a:ea typeface="Helvetica Neue"/>
+                <a:cs typeface="Helvetica Neue"/>
+                <a:sym typeface="Helvetica Neue"/>
+              </a:rPr>
+              <a:t>long-term wellness</a:t>
+            </a:r>
+            <a:endParaRPr>
+              <a:latin typeface="Helvetica Neue"/>
+              <a:ea typeface="Helvetica Neue"/>
+              <a:cs typeface="Helvetica Neue"/>
+              <a:sym typeface="Helvetica Neue"/>
+            </a:endParaRPr>
+          </a:p>
+          <a:p>
+            <a:pPr marL="364336" indent="-246988">
+              <a:lnSpc>
+                <a:spcPct val="135000"/>
+              </a:lnSpc>
               <a:spcBef>
-                <a:spcPts val="1200"/>
+                <a:spcPts val="1000"/>
               </a:spcBef>
               <a:buClr>
-                <a:srgbClr val="856886"/>
+                <a:srgbClr val="6792C7"/>
               </a:buClr>
-              <a:buSzPts val="1400"/>
+              <a:buSzPts val="1100"/>
               <a:buChar char="➔"/>
-              <a:defRPr sz="1400">
+              <a:tabLst>
+                <a:tab pos="50800" algn="r"/>
+                <a:tab pos="139700" algn="l"/>
+              </a:tabLst>
+              <a:defRPr sz="1144">
                 <a:solidFill>
-                  <a:srgbClr val="000000"/>
+                  <a:srgbClr val="111111"/>
                 </a:solidFill>
+                <a:latin typeface="+mj-lt"/>
+                <a:ea typeface="+mj-ea"/>
+                <a:cs typeface="+mj-cs"/>
+                <a:sym typeface="Helvetica"/>
               </a:defRPr>
             </a:pPr>
             <a:r>
-              <a:t>Workers who freeze during high stress moments (like before a big presentation)</a:t>
-            </a:r>
-          </a:p>
-          <a:p>
-            <a:pPr marL="435610" indent="-302260">
+              <a:t>There’s a big gap for quick accessibly help</a:t>
+            </a:r>
+          </a:p>
+          <a:p>
+            <a:pPr marL="364336" indent="-246988">
+              <a:lnSpc>
+                <a:spcPct val="135000"/>
+              </a:lnSpc>
               <a:spcBef>
-                <a:spcPts val="1200"/>
+                <a:spcPts val="1000"/>
               </a:spcBef>
               <a:buClr>
-                <a:srgbClr val="856886"/>
+                <a:srgbClr val="6792C7"/>
               </a:buClr>
-              <a:buSzPts val="1400"/>
+              <a:buSzPts val="1100"/>
               <a:buChar char="➔"/>
-              <a:defRPr sz="1400">
+              <a:tabLst>
+                <a:tab pos="50800" algn="r"/>
+                <a:tab pos="139700" algn="l"/>
+              </a:tabLst>
+              <a:defRPr sz="1144">
                 <a:solidFill>
-                  <a:srgbClr val="000000"/>
+                  <a:srgbClr val="111111"/>
                 </a:solidFill>
+                <a:latin typeface="+mj-lt"/>
+                <a:ea typeface="+mj-ea"/>
+                <a:cs typeface="+mj-cs"/>
+                <a:sym typeface="Helvetica"/>
               </a:defRPr>
             </a:pPr>
             <a:r>
-              <a:t>An added tool used with therapy in between sessions</a:t>
-            </a:r>
-          </a:p>
-          <a:p>
-            <a:pPr marL="435610" indent="-302260">
+              <a:t>	CalmStep removes decision fatigue that can stop someone from getting help in the first place </a:t>
+            </a:r>
+          </a:p>
+          <a:p>
+            <a:pPr marL="364336" indent="-246988">
+              <a:lnSpc>
+                <a:spcPct val="135000"/>
+              </a:lnSpc>
               <a:spcBef>
-                <a:spcPts val="1200"/>
+                <a:spcPts val="1000"/>
               </a:spcBef>
               <a:buClr>
-                <a:srgbClr val="856886"/>
+                <a:srgbClr val="6792C7"/>
               </a:buClr>
-              <a:buSzPts val="1400"/>
+              <a:buSzPts val="1100"/>
               <a:buChar char="➔"/>
-              <a:defRPr sz="1400">
+              <a:tabLst>
+                <a:tab pos="50800" algn="r"/>
+                <a:tab pos="139700" algn="l"/>
+              </a:tabLst>
+              <a:defRPr sz="1144">
                 <a:solidFill>
-                  <a:srgbClr val="000000"/>
+                  <a:srgbClr val="111111"/>
                 </a:solidFill>
+                <a:latin typeface="+mj-lt"/>
+                <a:ea typeface="+mj-ea"/>
+                <a:cs typeface="+mj-cs"/>
+                <a:sym typeface="Helvetica"/>
               </a:defRPr>
             </a:pPr>
             <a:r>
-              <a:t>People with drivers anxiety (on the move)</a:t>
-            </a:r>
-          </a:p>
-          <a:p>
-            <a:pPr marL="435610" indent="-302260">
+              <a:t>Designed especially for “I’m overwhelmed </a:t>
+            </a:r>
+            <a:r>
+              <a:rPr i="1"/>
+              <a:t>right now</a:t>
+            </a:r>
+            <a:r>
+              <a:t>” moments</a:t>
+            </a:r>
+          </a:p>
+          <a:p>
+            <a:pPr marL="364336" indent="-246988">
+              <a:lnSpc>
+                <a:spcPct val="135000"/>
+              </a:lnSpc>
               <a:spcBef>
-                <a:spcPts val="1200"/>
+                <a:spcPts val="1000"/>
               </a:spcBef>
               <a:buClr>
-                <a:srgbClr val="856886"/>
+                <a:srgbClr val="6792C7"/>
               </a:buClr>
-              <a:buSzPts val="1400"/>
+              <a:buSzPts val="1100"/>
               <a:buChar char="➔"/>
-              <a:defRPr sz="1400">
+              <a:tabLst>
+                <a:tab pos="50800" algn="r"/>
+                <a:tab pos="139700" algn="l"/>
+              </a:tabLst>
+              <a:defRPr sz="1144">
                 <a:solidFill>
-                  <a:srgbClr val="000000"/>
+                  <a:srgbClr val="111111"/>
                 </a:solidFill>
+                <a:latin typeface="+mj-lt"/>
+                <a:ea typeface="+mj-ea"/>
+                <a:cs typeface="+mj-cs"/>
+                <a:sym typeface="Helvetica"/>
               </a:defRPr>
             </a:pPr>
             <a:r>
-              <a:t>Regular people trying to track stress patterns or other anxiety related symptoms</a:t>
+              <a:t>	Competitors (Calm, Headspace, Happify, Moodfit) don’t specialize in acute panic supportPeople with drivers anxiety (on the move)</a:t>
+            </a:r>
+          </a:p>
+          <a:p>
+            <a:pPr marL="364336" indent="-246988">
+              <a:lnSpc>
+                <a:spcPct val="135000"/>
+              </a:lnSpc>
+              <a:spcBef>
+                <a:spcPts val="1000"/>
+              </a:spcBef>
+              <a:buClr>
+                <a:srgbClr val="6792C7"/>
+              </a:buClr>
+              <a:buSzPts val="1100"/>
+              <a:buChar char="➔"/>
+              <a:tabLst>
+                <a:tab pos="50800" algn="r"/>
+                <a:tab pos="139700" algn="l"/>
+              </a:tabLst>
+              <a:defRPr sz="1144">
+                <a:solidFill>
+                  <a:srgbClr val="111111"/>
+                </a:solidFill>
+                <a:latin typeface="+mj-lt"/>
+                <a:ea typeface="+mj-ea"/>
+                <a:cs typeface="+mj-cs"/>
+                <a:sym typeface="Helvetica"/>
+              </a:defRPr>
+            </a:pPr>
+            <a:r>
+              <a:t>Any one can use it because everyone has moments when they feel like they lose control and need help now</a:t>
             </a:r>
           </a:p>
         </p:txBody>
       </p:sp>
       <p:sp>
         <p:nvSpPr>
-          <p:cNvPr id="149" name="Google Shape;77;p16"/>
+          <p:cNvPr id="159" name="Google Shape;77;p16"/>
           <p:cNvSpPr/>
           <p:nvPr/>
         </p:nvSpPr>
         <p:spPr>
           <a:xfrm>
-            <a:off x="1170450" y="390724"/>
-            <a:ext cx="6803100" cy="681302"/>
+            <a:off x="1170450" y="390723"/>
+            <a:ext cx="6803100" cy="681304"/>
           </a:xfrm>
           <a:prstGeom prst="rect">
             <a:avLst/>
           </a:prstGeom>
           <a:ln w="38100">
             <a:solidFill>
-              <a:srgbClr val="856886"/>
+              <a:srgbClr val="6792C7"/>
             </a:solidFill>
           </a:ln>
         </p:spPr>
@@ -3185,10 +3290,46 @@
           <a:bodyPr lIns="0" tIns="0" rIns="0" bIns="0" anchor="ctr"/>
           <a:lstStyle/>
           <a:p>
-            <a:pPr algn="ctr"/>
+            <a:pPr algn="ctr">
+              <a:defRPr>
+                <a:latin typeface="+mn-lt"/>
+                <a:ea typeface="+mn-ea"/>
+                <a:cs typeface="+mn-cs"/>
+                <a:sym typeface="Arial"/>
+              </a:defRPr>
+            </a:pPr>
           </a:p>
         </p:txBody>
       </p:sp>
+      <p:pic>
+        <p:nvPicPr>
+          <p:cNvPr id="160" name="fpsyg-15-1347336-g001.png" descr="fpsyg-15-1347336-g001.png"/>
+          <p:cNvPicPr>
+            <a:picLocks noChangeAspect="1"/>
+          </p:cNvPicPr>
+          <p:nvPr/>
+        </p:nvPicPr>
+        <p:blipFill>
+          <a:blip r:embed="rId2">
+            <a:extLst/>
+          </a:blip>
+          <a:stretch>
+            <a:fillRect/>
+          </a:stretch>
+        </p:blipFill>
+        <p:spPr>
+          <a:xfrm>
+            <a:off x="5116661" y="1283020"/>
+            <a:ext cx="3809228" cy="2060890"/>
+          </a:xfrm>
+          <a:prstGeom prst="rect">
+            <a:avLst/>
+          </a:prstGeom>
+          <a:ln w="12700">
+            <a:miter lim="400000"/>
+          </a:ln>
+        </p:spPr>
+      </p:pic>
     </p:spTree>
   </p:cSld>
   <p:clrMapOvr>
@@ -3201,6 +3342,13 @@
 <file path=ppt/slides/slide11.xml><?xml version="1.0" encoding="utf-8"?>
 <p:sld xmlns:a="http://schemas.openxmlformats.org/drawingml/2006/main" xmlns:r="http://schemas.openxmlformats.org/officeDocument/2006/relationships" xmlns:p="http://schemas.openxmlformats.org/presentationml/2006/main" xmlns:m="http://schemas.openxmlformats.org/officeDocument/2006/math" xmlns:a14="http://schemas.microsoft.com/office/drawing/2010/main" showMasterSp="1" showMasterPhAnim="1">
   <p:cSld>
+    <p:bg>
+      <p:bgPr>
+        <a:solidFill>
+          <a:srgbClr val="EBF5EE"/>
+        </a:solidFill>
+      </p:bgPr>
+    </p:bg>
     <p:spTree>
       <p:nvGrpSpPr>
         <p:cNvPr id="1" name=""/>
@@ -3217,7 +3365,7 @@
       </p:grpSpPr>
       <p:sp>
         <p:nvSpPr>
-          <p:cNvPr id="151" name="Google Shape;75;p16"/>
+          <p:cNvPr id="162" name="Google Shape;75;p16"/>
           <p:cNvSpPr txBox="1"/>
           <p:nvPr>
             <p:ph type="title"/>
@@ -3226,7 +3374,7 @@
         <p:spPr>
           <a:xfrm>
             <a:off x="311699" y="445025"/>
-            <a:ext cx="8520602" cy="572701"/>
+            <a:ext cx="8520602" cy="572702"/>
           </a:xfrm>
           <a:prstGeom prst="rect">
             <a:avLst/>
@@ -3238,7 +3386,7 @@
             <a:lvl1pPr algn="ctr">
               <a:defRPr sz="2500">
                 <a:solidFill>
-                  <a:srgbClr val="168C80"/>
+                  <a:srgbClr val="EF8B67"/>
                 </a:solidFill>
               </a:defRPr>
             </a:lvl1pPr>
@@ -3246,358 +3394,14 @@
           <a:p>
             <a:pPr/>
             <a:r>
-              <a:t>Why CalmStep Works</a:t>
+              <a:t>Ethical Use Statement</a:t>
             </a:r>
           </a:p>
         </p:txBody>
       </p:sp>
       <p:sp>
         <p:nvSpPr>
-          <p:cNvPr id="152" name="Google Shape;76;p16"/>
-          <p:cNvSpPr txBox="1"/>
-          <p:nvPr>
-            <p:ph type="body" idx="1"/>
-          </p:nvPr>
-        </p:nvSpPr>
-        <p:spPr>
-          <a:xfrm>
-            <a:off x="311699" y="1152475"/>
-            <a:ext cx="8520602" cy="3416400"/>
-          </a:xfrm>
-          <a:prstGeom prst="rect">
-            <a:avLst/>
-          </a:prstGeom>
-        </p:spPr>
-        <p:txBody>
-          <a:bodyPr/>
-          <a:lstStyle/>
-          <a:p>
-            <a:pPr marL="414019" indent="-280669" defTabSz="12700">
-              <a:lnSpc>
-                <a:spcPct val="135000"/>
-              </a:lnSpc>
-              <a:spcBef>
-                <a:spcPts val="1200"/>
-              </a:spcBef>
-              <a:buClr>
-                <a:srgbClr val="856886"/>
-              </a:buClr>
-              <a:buSzPts val="1300"/>
-              <a:buChar char="➔"/>
-              <a:tabLst>
-                <a:tab pos="63500" algn="r"/>
-                <a:tab pos="165100" algn="l"/>
-              </a:tabLst>
-              <a:defRPr sz="1300">
-                <a:solidFill>
-                  <a:srgbClr val="111111"/>
-                </a:solidFill>
-                <a:latin typeface="+mn-lt"/>
-                <a:ea typeface="+mn-ea"/>
-                <a:cs typeface="+mn-cs"/>
-                <a:sym typeface="Helvetica"/>
-              </a:defRPr>
-            </a:pPr>
-            <a:r>
-              <a:t>There are a ton of other mental health apps out there but most of them focus on </a:t>
-            </a:r>
-            <a:r>
-              <a:rPr>
-                <a:latin typeface="Helvetica Neue"/>
-                <a:ea typeface="Helvetica Neue"/>
-                <a:cs typeface="Helvetica Neue"/>
-                <a:sym typeface="Helvetica Neue"/>
-              </a:rPr>
-              <a:t>daily meditation</a:t>
-            </a:r>
-            <a:r>
-              <a:t>, </a:t>
-            </a:r>
-            <a:r>
-              <a:rPr>
-                <a:latin typeface="Helvetica Neue"/>
-                <a:ea typeface="Helvetica Neue"/>
-                <a:cs typeface="Helvetica Neue"/>
-                <a:sym typeface="Helvetica Neue"/>
-              </a:rPr>
-              <a:t>tracking</a:t>
-            </a:r>
-            <a:r>
-              <a:t>, or </a:t>
-            </a:r>
-            <a:r>
-              <a:rPr>
-                <a:latin typeface="Helvetica Neue"/>
-                <a:ea typeface="Helvetica Neue"/>
-                <a:cs typeface="Helvetica Neue"/>
-                <a:sym typeface="Helvetica Neue"/>
-              </a:rPr>
-              <a:t>long-term wellness</a:t>
-            </a:r>
-            <a:endParaRPr>
-              <a:latin typeface="Helvetica Neue"/>
-              <a:ea typeface="Helvetica Neue"/>
-              <a:cs typeface="Helvetica Neue"/>
-              <a:sym typeface="Helvetica Neue"/>
-            </a:endParaRPr>
-          </a:p>
-          <a:p>
-            <a:pPr marL="414019" indent="-280669" defTabSz="12700">
-              <a:lnSpc>
-                <a:spcPct val="135000"/>
-              </a:lnSpc>
-              <a:spcBef>
-                <a:spcPts val="1200"/>
-              </a:spcBef>
-              <a:buClr>
-                <a:srgbClr val="856886"/>
-              </a:buClr>
-              <a:buSzPts val="1300"/>
-              <a:buChar char="➔"/>
-              <a:tabLst>
-                <a:tab pos="63500" algn="r"/>
-                <a:tab pos="165100" algn="l"/>
-              </a:tabLst>
-              <a:defRPr sz="1300">
-                <a:solidFill>
-                  <a:srgbClr val="111111"/>
-                </a:solidFill>
-                <a:latin typeface="+mn-lt"/>
-                <a:ea typeface="+mn-ea"/>
-                <a:cs typeface="+mn-cs"/>
-                <a:sym typeface="Helvetica"/>
-              </a:defRPr>
-            </a:pPr>
-            <a:r>
-              <a:t>There’s a big gap for quick accessibly help</a:t>
-            </a:r>
-          </a:p>
-          <a:p>
-            <a:pPr marL="414019" indent="-280669" defTabSz="12700">
-              <a:lnSpc>
-                <a:spcPct val="135000"/>
-              </a:lnSpc>
-              <a:spcBef>
-                <a:spcPts val="1200"/>
-              </a:spcBef>
-              <a:buClr>
-                <a:srgbClr val="856886"/>
-              </a:buClr>
-              <a:buSzPts val="1300"/>
-              <a:buChar char="➔"/>
-              <a:tabLst>
-                <a:tab pos="63500" algn="r"/>
-                <a:tab pos="165100" algn="l"/>
-              </a:tabLst>
-              <a:defRPr sz="1300">
-                <a:solidFill>
-                  <a:srgbClr val="111111"/>
-                </a:solidFill>
-                <a:latin typeface="+mn-lt"/>
-                <a:ea typeface="+mn-ea"/>
-                <a:cs typeface="+mn-cs"/>
-                <a:sym typeface="Helvetica"/>
-              </a:defRPr>
-            </a:pPr>
-            <a:r>
-              <a:t>	CalmStep removes decision fatigue that can stop someone from getting help in the first place </a:t>
-            </a:r>
-          </a:p>
-          <a:p>
-            <a:pPr marL="414019" indent="-280669" defTabSz="12700">
-              <a:lnSpc>
-                <a:spcPct val="135000"/>
-              </a:lnSpc>
-              <a:spcBef>
-                <a:spcPts val="1200"/>
-              </a:spcBef>
-              <a:buClr>
-                <a:srgbClr val="856886"/>
-              </a:buClr>
-              <a:buSzPts val="1300"/>
-              <a:buChar char="➔"/>
-              <a:tabLst>
-                <a:tab pos="63500" algn="r"/>
-                <a:tab pos="165100" algn="l"/>
-              </a:tabLst>
-              <a:defRPr sz="1300">
-                <a:solidFill>
-                  <a:srgbClr val="111111"/>
-                </a:solidFill>
-                <a:latin typeface="+mn-lt"/>
-                <a:ea typeface="+mn-ea"/>
-                <a:cs typeface="+mn-cs"/>
-                <a:sym typeface="Helvetica"/>
-              </a:defRPr>
-            </a:pPr>
-            <a:r>
-              <a:t>Designed especially for “I’m overwhelmed </a:t>
-            </a:r>
-            <a:r>
-              <a:rPr i="1"/>
-              <a:t>right now</a:t>
-            </a:r>
-            <a:r>
-              <a:t>” moments</a:t>
-            </a:r>
-          </a:p>
-          <a:p>
-            <a:pPr marL="414019" indent="-280669" defTabSz="12700">
-              <a:lnSpc>
-                <a:spcPct val="135000"/>
-              </a:lnSpc>
-              <a:spcBef>
-                <a:spcPts val="1200"/>
-              </a:spcBef>
-              <a:buClr>
-                <a:srgbClr val="856886"/>
-              </a:buClr>
-              <a:buSzPts val="1300"/>
-              <a:buChar char="➔"/>
-              <a:tabLst>
-                <a:tab pos="63500" algn="r"/>
-                <a:tab pos="165100" algn="l"/>
-              </a:tabLst>
-              <a:defRPr sz="1300">
-                <a:solidFill>
-                  <a:srgbClr val="111111"/>
-                </a:solidFill>
-                <a:latin typeface="+mn-lt"/>
-                <a:ea typeface="+mn-ea"/>
-                <a:cs typeface="+mn-cs"/>
-                <a:sym typeface="Helvetica"/>
-              </a:defRPr>
-            </a:pPr>
-            <a:r>
-              <a:t>	Competitors (Calm, Headspace, Happify, Moodfit) don’t specialize in acute panic supportPeople with drivers anxiety (on the move)</a:t>
-            </a:r>
-          </a:p>
-          <a:p>
-            <a:pPr marL="414019" indent="-280669" defTabSz="12700">
-              <a:lnSpc>
-                <a:spcPct val="135000"/>
-              </a:lnSpc>
-              <a:spcBef>
-                <a:spcPts val="1200"/>
-              </a:spcBef>
-              <a:buClr>
-                <a:srgbClr val="856886"/>
-              </a:buClr>
-              <a:buSzPts val="1300"/>
-              <a:buChar char="➔"/>
-              <a:tabLst>
-                <a:tab pos="63500" algn="r"/>
-                <a:tab pos="165100" algn="l"/>
-              </a:tabLst>
-              <a:defRPr sz="1300">
-                <a:solidFill>
-                  <a:srgbClr val="111111"/>
-                </a:solidFill>
-                <a:latin typeface="+mn-lt"/>
-                <a:ea typeface="+mn-ea"/>
-                <a:cs typeface="+mn-cs"/>
-                <a:sym typeface="Helvetica"/>
-              </a:defRPr>
-            </a:pPr>
-            <a:r>
-              <a:t>Any one can use it because everyone has moments when they feel like they lose control and need help now</a:t>
-            </a:r>
-          </a:p>
-        </p:txBody>
-      </p:sp>
-      <p:sp>
-        <p:nvSpPr>
-          <p:cNvPr id="153" name="Google Shape;77;p16"/>
-          <p:cNvSpPr/>
-          <p:nvPr/>
-        </p:nvSpPr>
-        <p:spPr>
-          <a:xfrm>
-            <a:off x="1170450" y="390724"/>
-            <a:ext cx="6803100" cy="681302"/>
-          </a:xfrm>
-          <a:prstGeom prst="rect">
-            <a:avLst/>
-          </a:prstGeom>
-          <a:ln w="38100">
-            <a:solidFill>
-              <a:srgbClr val="856886"/>
-            </a:solidFill>
-          </a:ln>
-        </p:spPr>
-        <p:txBody>
-          <a:bodyPr lIns="0" tIns="0" rIns="0" bIns="0" anchor="ctr"/>
-          <a:lstStyle/>
-          <a:p>
-            <a:pPr algn="ctr"/>
-          </a:p>
-        </p:txBody>
-      </p:sp>
-    </p:spTree>
-  </p:cSld>
-  <p:clrMapOvr>
-    <a:masterClrMapping/>
-  </p:clrMapOvr>
-  <p:transition xmlns:p14="http://schemas.microsoft.com/office/powerpoint/2010/main" spd="med" advClick="1"/>
-</p:sld>
-</file>
-
-<file path=ppt/slides/slide12.xml><?xml version="1.0" encoding="utf-8"?>
-<p:sld xmlns:a="http://schemas.openxmlformats.org/drawingml/2006/main" xmlns:r="http://schemas.openxmlformats.org/officeDocument/2006/relationships" xmlns:p="http://schemas.openxmlformats.org/presentationml/2006/main" xmlns:m="http://schemas.openxmlformats.org/officeDocument/2006/math" xmlns:a14="http://schemas.microsoft.com/office/drawing/2010/main" showMasterSp="1" showMasterPhAnim="1">
-  <p:cSld>
-    <p:spTree>
-      <p:nvGrpSpPr>
-        <p:cNvPr id="1" name=""/>
-        <p:cNvGrpSpPr/>
-        <p:nvPr/>
-      </p:nvGrpSpPr>
-      <p:grpSpPr>
-        <a:xfrm>
-          <a:off x="0" y="0"/>
-          <a:ext cx="0" cy="0"/>
-          <a:chOff x="0" y="0"/>
-          <a:chExt cx="0" cy="0"/>
-        </a:xfrm>
-      </p:grpSpPr>
-      <p:sp>
-        <p:nvSpPr>
-          <p:cNvPr id="155" name="Google Shape;75;p16"/>
-          <p:cNvSpPr txBox="1"/>
-          <p:nvPr>
-            <p:ph type="title"/>
-          </p:nvPr>
-        </p:nvSpPr>
-        <p:spPr>
-          <a:xfrm>
-            <a:off x="311699" y="445025"/>
-            <a:ext cx="8520602" cy="572701"/>
-          </a:xfrm>
-          <a:prstGeom prst="rect">
-            <a:avLst/>
-          </a:prstGeom>
-        </p:spPr>
-        <p:txBody>
-          <a:bodyPr/>
-          <a:lstStyle>
-            <a:lvl1pPr algn="ctr">
-              <a:defRPr sz="2500">
-                <a:solidFill>
-                  <a:srgbClr val="168C80"/>
-                </a:solidFill>
-              </a:defRPr>
-            </a:lvl1pPr>
-          </a:lstStyle>
-          <a:p>
-            <a:pPr/>
-            <a:r>
-              <a:t>Ethical Use Statement</a:t>
-            </a:r>
-          </a:p>
-        </p:txBody>
-      </p:sp>
-      <p:sp>
-        <p:nvSpPr>
-          <p:cNvPr id="156" name="Google Shape;76;p16"/>
+          <p:cNvPr id="163" name="Google Shape;76;p16"/>
           <p:cNvSpPr txBox="1"/>
           <p:nvPr>
             <p:ph type="body" sz="half" idx="1"/>
@@ -3606,7 +3410,7 @@
         <p:spPr>
           <a:xfrm>
             <a:off x="311699" y="1470527"/>
-            <a:ext cx="8520602" cy="1905653"/>
+            <a:ext cx="8520602" cy="1905654"/>
           </a:xfrm>
           <a:prstGeom prst="rect">
             <a:avLst/>
@@ -3622,21 +3426,19 @@
               <a:spcBef>
                 <a:spcPts val="1000"/>
               </a:spcBef>
-              <a:buClrTx/>
               <a:buSzTx/>
-              <a:buFontTx/>
               <a:buNone/>
               <a:tabLst>
                 <a:tab pos="50800" algn="r"/>
                 <a:tab pos="139700" algn="l"/>
               </a:tabLst>
-              <a:defRPr sz="1496">
+              <a:defRPr sz="1400">
                 <a:solidFill>
-                  <a:srgbClr val="806984"/>
+                  <a:srgbClr val="6792C7"/>
                 </a:solidFill>
-                <a:latin typeface="+mn-lt"/>
-                <a:ea typeface="+mn-ea"/>
-                <a:cs typeface="+mn-cs"/>
+                <a:latin typeface="+mj-lt"/>
+                <a:ea typeface="+mj-ea"/>
+                <a:cs typeface="+mj-cs"/>
                 <a:sym typeface="Helvetica"/>
               </a:defRPr>
             </a:lvl1pPr>
@@ -3651,21 +3453,21 @@
       </p:sp>
       <p:sp>
         <p:nvSpPr>
-          <p:cNvPr id="157" name="Google Shape;77;p16"/>
+          <p:cNvPr id="164" name="Google Shape;77;p16"/>
           <p:cNvSpPr/>
           <p:nvPr/>
         </p:nvSpPr>
         <p:spPr>
           <a:xfrm>
-            <a:off x="1170450" y="390724"/>
-            <a:ext cx="6803100" cy="681302"/>
+            <a:off x="1170450" y="390723"/>
+            <a:ext cx="6803100" cy="681304"/>
           </a:xfrm>
           <a:prstGeom prst="rect">
             <a:avLst/>
           </a:prstGeom>
           <a:ln w="38100">
             <a:solidFill>
-              <a:srgbClr val="856886"/>
+              <a:srgbClr val="6792C7"/>
             </a:solidFill>
           </a:ln>
         </p:spPr>
@@ -3673,7 +3475,14 @@
           <a:bodyPr lIns="0" tIns="0" rIns="0" bIns="0" anchor="ctr"/>
           <a:lstStyle/>
           <a:p>
-            <a:pPr algn="ctr"/>
+            <a:pPr algn="ctr">
+              <a:defRPr>
+                <a:latin typeface="+mn-lt"/>
+                <a:ea typeface="+mn-ea"/>
+                <a:cs typeface="+mn-cs"/>
+                <a:sym typeface="Arial"/>
+              </a:defRPr>
+            </a:pPr>
           </a:p>
         </p:txBody>
       </p:sp>
@@ -3689,6 +3498,13 @@
 <file path=ppt/slides/slide2.xml><?xml version="1.0" encoding="utf-8"?>
 <p:sld xmlns:a="http://schemas.openxmlformats.org/drawingml/2006/main" xmlns:r="http://schemas.openxmlformats.org/officeDocument/2006/relationships" xmlns:p="http://schemas.openxmlformats.org/presentationml/2006/main" xmlns:m="http://schemas.openxmlformats.org/officeDocument/2006/math" xmlns:a14="http://schemas.microsoft.com/office/drawing/2010/main" showMasterSp="1" showMasterPhAnim="1">
   <p:cSld>
+    <p:bg>
+      <p:bgPr>
+        <a:solidFill>
+          <a:srgbClr val="EBF5EE"/>
+        </a:solidFill>
+      </p:bgPr>
+    </p:bg>
     <p:spTree>
       <p:nvGrpSpPr>
         <p:cNvPr id="1" name=""/>
@@ -3714,7 +3530,7 @@
         <p:spPr>
           <a:xfrm>
             <a:off x="311699" y="445025"/>
-            <a:ext cx="8520602" cy="572701"/>
+            <a:ext cx="8520602" cy="572702"/>
           </a:xfrm>
           <a:prstGeom prst="rect">
             <a:avLst/>
@@ -3726,7 +3542,7 @@
             <a:lvl1pPr algn="ctr">
               <a:defRPr sz="2500">
                 <a:solidFill>
-                  <a:srgbClr val="168C80"/>
+                  <a:srgbClr val="EF8B67"/>
                 </a:solidFill>
               </a:defRPr>
             </a:lvl1pPr>
@@ -3744,13 +3560,13 @@
           <p:cNvPr id="114" name="Google Shape;62;p14"/>
           <p:cNvSpPr txBox="1"/>
           <p:nvPr>
-            <p:ph type="body" idx="1"/>
+            <p:ph type="body" sz="half" idx="1"/>
           </p:nvPr>
         </p:nvSpPr>
         <p:spPr>
           <a:xfrm>
-            <a:off x="311699" y="1126324"/>
-            <a:ext cx="8520602" cy="3416401"/>
+            <a:off x="311699" y="1126323"/>
+            <a:ext cx="8520602" cy="1952285"/>
           </a:xfrm>
           <a:prstGeom prst="rect">
             <a:avLst/>
@@ -3760,15 +3576,15 @@
           <a:bodyPr/>
           <a:lstStyle/>
           <a:p>
-            <a:pPr marL="0" indent="0">
+            <a:pPr marL="0" indent="0" defTabSz="694944">
               <a:lnSpc>
                 <a:spcPct val="92000"/>
               </a:lnSpc>
               <a:buSzTx/>
               <a:buNone/>
-              <a:defRPr b="1">
+              <a:defRPr b="1" sz="1368">
                 <a:solidFill>
-                  <a:srgbClr val="856886"/>
+                  <a:srgbClr val="EF8B67"/>
                 </a:solidFill>
               </a:defRPr>
             </a:pPr>
@@ -3777,33 +3593,34 @@
             </a:r>
           </a:p>
           <a:p>
-            <a:pPr marL="0" indent="0">
+            <a:pPr marL="0" indent="0" defTabSz="694944">
               <a:lnSpc>
                 <a:spcPct val="92000"/>
               </a:lnSpc>
               <a:spcBef>
-                <a:spcPts val="1200"/>
+                <a:spcPts val="900"/>
               </a:spcBef>
               <a:buSzTx/>
               <a:buNone/>
+              <a:defRPr sz="1368"/>
             </a:pPr>
             <a:r>
               <a:t>Millions of people struggle with anxiety panic symptoms, or emotional overwhelm, yet over half never received treatment due to stigma, cost, waitlists, or lack of health insurance.. When symptoms hit, people often have no immediate support, just a phone full of apps that aren’t built  for in the moment regulation.</a:t>
             </a:r>
           </a:p>
           <a:p>
-            <a:pPr marL="0" indent="0">
+            <a:pPr marL="0" indent="0" defTabSz="694944">
               <a:lnSpc>
                 <a:spcPct val="92000"/>
               </a:lnSpc>
               <a:spcBef>
-                <a:spcPts val="1200"/>
+                <a:spcPts val="900"/>
               </a:spcBef>
               <a:buSzTx/>
               <a:buNone/>
-              <a:defRPr b="1">
+              <a:defRPr b="1" sz="1368">
                 <a:solidFill>
-                  <a:srgbClr val="856886"/>
+                  <a:srgbClr val="EF8B67"/>
                 </a:solidFill>
               </a:defRPr>
             </a:pPr>
@@ -3812,15 +3629,16 @@
             </a:r>
           </a:p>
           <a:p>
-            <a:pPr marL="0" indent="0">
+            <a:pPr marL="0" indent="0" defTabSz="694944">
               <a:lnSpc>
                 <a:spcPct val="92000"/>
               </a:lnSpc>
               <a:spcBef>
-                <a:spcPts val="1200"/>
+                <a:spcPts val="900"/>
               </a:spcBef>
               <a:buSzTx/>
               <a:buNone/>
+              <a:defRPr sz="1368"/>
             </a:pPr>
             <a:r>
               <a:t>Untreated anxiety and emotional dysregulation can impact work, relationships, school performance, and physical health. People need fast, stigma-free, accessible support they can use anytime, without waiting weeks for an appointment.</a:t>
@@ -3836,15 +3654,15 @@
         </p:nvSpPr>
         <p:spPr>
           <a:xfrm>
-            <a:off x="1170450" y="390724"/>
-            <a:ext cx="6803100" cy="681302"/>
+            <a:off x="1170450" y="390723"/>
+            <a:ext cx="6803100" cy="681304"/>
           </a:xfrm>
           <a:prstGeom prst="rect">
             <a:avLst/>
           </a:prstGeom>
           <a:ln w="38100">
             <a:solidFill>
-              <a:srgbClr val="856886"/>
+              <a:srgbClr val="6792C7"/>
             </a:solidFill>
           </a:ln>
         </p:spPr>
@@ -3852,10 +3670,46 @@
           <a:bodyPr lIns="0" tIns="0" rIns="0" bIns="0" anchor="ctr"/>
           <a:lstStyle/>
           <a:p>
-            <a:pPr algn="ctr"/>
+            <a:pPr algn="ctr">
+              <a:defRPr>
+                <a:latin typeface="+mn-lt"/>
+                <a:ea typeface="+mn-ea"/>
+                <a:cs typeface="+mn-cs"/>
+                <a:sym typeface="Arial"/>
+              </a:defRPr>
+            </a:pPr>
           </a:p>
         </p:txBody>
       </p:sp>
+      <p:pic>
+        <p:nvPicPr>
+          <p:cNvPr id="116" name="images.png" descr="images.png"/>
+          <p:cNvPicPr>
+            <a:picLocks noChangeAspect="1"/>
+          </p:cNvPicPr>
+          <p:nvPr/>
+        </p:nvPicPr>
+        <p:blipFill>
+          <a:blip r:embed="rId2">
+            <a:extLst/>
+          </a:blip>
+          <a:stretch>
+            <a:fillRect/>
+          </a:stretch>
+        </p:blipFill>
+        <p:spPr>
+          <a:xfrm>
+            <a:off x="2216150" y="3187205"/>
+            <a:ext cx="4711700" cy="1727201"/>
+          </a:xfrm>
+          <a:prstGeom prst="rect">
+            <a:avLst/>
+          </a:prstGeom>
+          <a:ln w="12700">
+            <a:miter lim="400000"/>
+          </a:ln>
+        </p:spPr>
+      </p:pic>
     </p:spTree>
   </p:cSld>
   <p:clrMapOvr>
@@ -3868,6 +3722,13 @@
 <file path=ppt/slides/slide3.xml><?xml version="1.0" encoding="utf-8"?>
 <p:sld xmlns:a="http://schemas.openxmlformats.org/drawingml/2006/main" xmlns:r="http://schemas.openxmlformats.org/officeDocument/2006/relationships" xmlns:p="http://schemas.openxmlformats.org/presentationml/2006/main" xmlns:m="http://schemas.openxmlformats.org/officeDocument/2006/math" xmlns:a14="http://schemas.microsoft.com/office/drawing/2010/main" showMasterSp="1" showMasterPhAnim="1">
   <p:cSld>
+    <p:bg>
+      <p:bgPr>
+        <a:solidFill>
+          <a:srgbClr val="EBF5EE"/>
+        </a:solidFill>
+      </p:bgPr>
+    </p:bg>
     <p:spTree>
       <p:nvGrpSpPr>
         <p:cNvPr id="1" name=""/>
@@ -3884,7 +3745,7 @@
       </p:grpSpPr>
       <p:sp>
         <p:nvSpPr>
-          <p:cNvPr id="117" name="Google Shape;68;p15"/>
+          <p:cNvPr id="118" name="Google Shape;68;p15"/>
           <p:cNvSpPr txBox="1"/>
           <p:nvPr>
             <p:ph type="title"/>
@@ -3893,7 +3754,7 @@
         <p:spPr>
           <a:xfrm>
             <a:off x="311699" y="445025"/>
-            <a:ext cx="8520602" cy="572701"/>
+            <a:ext cx="8520602" cy="572702"/>
           </a:xfrm>
           <a:prstGeom prst="rect">
             <a:avLst/>
@@ -3905,7 +3766,7 @@
             <a:lvl1pPr algn="ctr">
               <a:defRPr sz="2500">
                 <a:solidFill>
-                  <a:srgbClr val="168C80"/>
+                  <a:srgbClr val="EF8B67"/>
                 </a:solidFill>
               </a:defRPr>
             </a:lvl1pPr>
@@ -3920,7 +3781,7 @@
       </p:sp>
       <p:sp>
         <p:nvSpPr>
-          <p:cNvPr id="118" name="Google Shape;69;p15"/>
+          <p:cNvPr id="119" name="Google Shape;69;p15"/>
           <p:cNvSpPr txBox="1"/>
           <p:nvPr>
             <p:ph type="body" idx="1"/>
@@ -3950,7 +3811,7 @@
               <a:buNone/>
               <a:defRPr b="1" sz="1500">
                 <a:solidFill>
-                  <a:srgbClr val="856886"/>
+                  <a:srgbClr val="EF8B67"/>
                 </a:solidFill>
               </a:defRPr>
             </a:pPr>
@@ -3992,7 +3853,7 @@
               <a:buNone/>
               <a:defRPr b="1" sz="1500">
                 <a:solidFill>
-                  <a:srgbClr val="856886"/>
+                  <a:srgbClr val="EF8B67"/>
                 </a:solidFill>
               </a:defRPr>
             </a:pPr>
@@ -4010,7 +3871,7 @@
                 <a:spcPts val="1200"/>
               </a:spcBef>
               <a:buClr>
-                <a:srgbClr val="856886"/>
+                <a:schemeClr val="accent4"/>
               </a:buClr>
               <a:buSzPct val="100000"/>
               <a:buChar char="➔"/>
@@ -4031,7 +3892,7 @@
                 <a:spcPct val="92000"/>
               </a:lnSpc>
               <a:buClr>
-                <a:srgbClr val="856886"/>
+                <a:schemeClr val="accent4"/>
               </a:buClr>
               <a:buSzPct val="100000"/>
               <a:buChar char="➔"/>
@@ -4052,7 +3913,7 @@
                 <a:spcPct val="92000"/>
               </a:lnSpc>
               <a:buClr>
-                <a:srgbClr val="856886"/>
+                <a:schemeClr val="accent4"/>
               </a:buClr>
               <a:buSzPct val="100000"/>
               <a:buChar char="➔"/>
@@ -4073,7 +3934,7 @@
                 <a:spcPct val="92000"/>
               </a:lnSpc>
               <a:buClr>
-                <a:srgbClr val="856886"/>
+                <a:schemeClr val="accent4"/>
               </a:buClr>
               <a:buSzPct val="100000"/>
               <a:buChar char="➔"/>
@@ -4100,7 +3961,7 @@
               <a:buNone/>
               <a:defRPr b="1" sz="1500">
                 <a:solidFill>
-                  <a:srgbClr val="856886"/>
+                  <a:srgbClr val="EF8B67"/>
                 </a:solidFill>
               </a:defRPr>
             </a:pPr>
@@ -4140,21 +4001,21 @@
       </p:sp>
       <p:sp>
         <p:nvSpPr>
-          <p:cNvPr id="119" name="Google Shape;70;p15"/>
+          <p:cNvPr id="120" name="Google Shape;70;p15"/>
           <p:cNvSpPr/>
           <p:nvPr/>
         </p:nvSpPr>
         <p:spPr>
           <a:xfrm>
-            <a:off x="1170450" y="390724"/>
-            <a:ext cx="6803100" cy="681302"/>
+            <a:off x="1170450" y="390723"/>
+            <a:ext cx="6803100" cy="681304"/>
           </a:xfrm>
           <a:prstGeom prst="rect">
             <a:avLst/>
           </a:prstGeom>
           <a:ln w="38100">
             <a:solidFill>
-              <a:srgbClr val="856886"/>
+              <a:srgbClr val="6792C7"/>
             </a:solidFill>
           </a:ln>
         </p:spPr>
@@ -4162,10 +4023,46 @@
           <a:bodyPr lIns="0" tIns="0" rIns="0" bIns="0" anchor="ctr"/>
           <a:lstStyle/>
           <a:p>
-            <a:pPr algn="ctr"/>
+            <a:pPr algn="ctr">
+              <a:defRPr>
+                <a:latin typeface="+mn-lt"/>
+                <a:ea typeface="+mn-ea"/>
+                <a:cs typeface="+mn-cs"/>
+                <a:sym typeface="Arial"/>
+              </a:defRPr>
+            </a:pPr>
           </a:p>
         </p:txBody>
       </p:sp>
+      <p:pic>
+        <p:nvPicPr>
+          <p:cNvPr id="121" name="Picture 3" descr="Picture 3"/>
+          <p:cNvPicPr>
+            <a:picLocks noChangeAspect="1"/>
+          </p:cNvPicPr>
+          <p:nvPr/>
+        </p:nvPicPr>
+        <p:blipFill>
+          <a:blip r:embed="rId2">
+            <a:extLst/>
+          </a:blip>
+          <a:stretch>
+            <a:fillRect/>
+          </a:stretch>
+        </p:blipFill>
+        <p:spPr>
+          <a:xfrm>
+            <a:off x="6600342" y="3148653"/>
+            <a:ext cx="1834796" cy="1834796"/>
+          </a:xfrm>
+          <a:prstGeom prst="rect">
+            <a:avLst/>
+          </a:prstGeom>
+          <a:ln w="12700">
+            <a:miter lim="400000"/>
+          </a:ln>
+        </p:spPr>
+      </p:pic>
     </p:spTree>
   </p:cSld>
   <p:clrMapOvr>
@@ -4178,6 +4075,13 @@
 <file path=ppt/slides/slide4.xml><?xml version="1.0" encoding="utf-8"?>
 <p:sld xmlns:a="http://schemas.openxmlformats.org/drawingml/2006/main" xmlns:r="http://schemas.openxmlformats.org/officeDocument/2006/relationships" xmlns:p="http://schemas.openxmlformats.org/presentationml/2006/main" xmlns:m="http://schemas.openxmlformats.org/officeDocument/2006/math" xmlns:a14="http://schemas.microsoft.com/office/drawing/2010/main" showMasterSp="1" showMasterPhAnim="1">
   <p:cSld>
+    <p:bg>
+      <p:bgPr>
+        <a:solidFill>
+          <a:srgbClr val="EBF5EE"/>
+        </a:solidFill>
+      </p:bgPr>
+    </p:bg>
     <p:spTree>
       <p:nvGrpSpPr>
         <p:cNvPr id="1" name=""/>
@@ -4194,7 +4098,7 @@
       </p:grpSpPr>
       <p:sp>
         <p:nvSpPr>
-          <p:cNvPr id="121" name="Google Shape;75;p16"/>
+          <p:cNvPr id="123" name="Google Shape;82;p17"/>
           <p:cNvSpPr txBox="1"/>
           <p:nvPr>
             <p:ph type="title"/>
@@ -4203,7 +4107,7 @@
         <p:spPr>
           <a:xfrm>
             <a:off x="311699" y="445025"/>
-            <a:ext cx="8520602" cy="572701"/>
+            <a:ext cx="8520602" cy="572702"/>
           </a:xfrm>
           <a:prstGeom prst="rect">
             <a:avLst/>
@@ -4215,7 +4119,7 @@
             <a:lvl1pPr algn="ctr">
               <a:defRPr sz="2500">
                 <a:solidFill>
-                  <a:srgbClr val="168C80"/>
+                  <a:srgbClr val="EF8B67"/>
                 </a:solidFill>
               </a:defRPr>
             </a:lvl1pPr>
@@ -4223,14 +4127,14 @@
           <a:p>
             <a:pPr/>
             <a:r>
-              <a:t>Idea 2: Panic Button Widget</a:t>
+              <a:t>How AI Is Applied</a:t>
             </a:r>
           </a:p>
         </p:txBody>
       </p:sp>
       <p:sp>
         <p:nvSpPr>
-          <p:cNvPr id="122" name="Google Shape;76;p16"/>
+          <p:cNvPr id="124" name="Google Shape;83;p17"/>
           <p:cNvSpPr txBox="1"/>
           <p:nvPr>
             <p:ph type="body" idx="1"/>
@@ -4238,8 +4142,8 @@
         </p:nvSpPr>
         <p:spPr>
           <a:xfrm>
-            <a:off x="311699" y="1152475"/>
-            <a:ext cx="8520602" cy="3416400"/>
+            <a:off x="266249" y="1205482"/>
+            <a:ext cx="5749693" cy="3416403"/>
           </a:xfrm>
           <a:prstGeom prst="rect">
             <a:avLst/>
@@ -4249,180 +4153,137 @@
           <a:bodyPr/>
           <a:lstStyle/>
           <a:p>
-            <a:pPr marL="0" indent="0">
+            <a:pPr marL="0" indent="0" defTabSz="841247">
               <a:spcBef>
-                <a:spcPts val="1200"/>
+                <a:spcPts val="1100"/>
               </a:spcBef>
               <a:buSzTx/>
               <a:buNone/>
-              <a:defRPr b="1" sz="1600">
+              <a:defRPr b="1" sz="1564">
                 <a:solidFill>
-                  <a:srgbClr val="856886"/>
+                  <a:srgbClr val="EF8B67"/>
                 </a:solidFill>
               </a:defRPr>
             </a:pPr>
             <a:r>
-              <a:t>Concept Overview:</a:t>
-            </a:r>
-          </a:p>
-          <a:p>
-            <a:pPr marL="0" indent="0">
+              <a:t>AI Usage (High Level, Non-Clinical):</a:t>
+            </a:r>
+          </a:p>
+          <a:p>
+            <a:pPr marL="420623" indent="-297942" defTabSz="841247">
               <a:spcBef>
-                <a:spcPts val="1200"/>
-              </a:spcBef>
-              <a:buSzTx/>
-              <a:buNone/>
-              <a:defRPr sz="1400">
-                <a:solidFill>
-                  <a:srgbClr val="000000"/>
-                </a:solidFill>
-              </a:defRPr>
-            </a:pPr>
-            <a:r>
-              <a:t>A one-tap widget on the phone home screen for immediate support.</a:t>
-            </a:r>
-          </a:p>
-          <a:p>
-            <a:pPr marL="0" indent="0">
-              <a:spcBef>
-                <a:spcPts val="1200"/>
-              </a:spcBef>
-              <a:buSzTx/>
-              <a:buNone/>
-              <a:defRPr b="1" sz="1600">
-                <a:solidFill>
-                  <a:srgbClr val="856886"/>
-                </a:solidFill>
-              </a:defRPr>
-            </a:pPr>
-            <a:r>
-              <a:t>How It Works:</a:t>
-            </a:r>
-          </a:p>
-          <a:p>
-            <a:pPr indent="-317500">
-              <a:spcBef>
-                <a:spcPts val="1200"/>
+                <a:spcPts val="1100"/>
               </a:spcBef>
               <a:buClr>
                 <a:srgbClr val="856886"/>
               </a:buClr>
-              <a:buSzPts val="1400"/>
+              <a:buSzPts val="1300"/>
               <a:buChar char="➔"/>
-              <a:defRPr sz="1400">
+              <a:defRPr sz="1380">
                 <a:solidFill>
                   <a:srgbClr val="000000"/>
                 </a:solidFill>
               </a:defRPr>
             </a:pPr>
             <a:r>
-              <a:t>User hits the panic button → simple AI chatbot asks what’s happening</a:t>
-            </a:r>
-          </a:p>
-          <a:p>
-            <a:pPr indent="-317500">
+              <a:t>Classifies the user’s chosen symptoms to match them with the right support flow</a:t>
+            </a:r>
+          </a:p>
+          <a:p>
+            <a:pPr marL="420623" indent="-297942" defTabSz="841247">
               <a:buClr>
                 <a:srgbClr val="856886"/>
               </a:buClr>
-              <a:buSzPts val="1400"/>
+              <a:buSzPts val="1300"/>
               <a:buChar char="➔"/>
-              <a:defRPr sz="1400">
+              <a:defRPr sz="1380">
                 <a:solidFill>
                   <a:srgbClr val="000000"/>
                 </a:solidFill>
               </a:defRPr>
             </a:pPr>
             <a:r>
-              <a:t>User selects symptoms from a checklist</a:t>
-            </a:r>
-          </a:p>
-          <a:p>
-            <a:pPr indent="-317500">
+              <a:t>Adapts coping steps based on previous user choices (personalized but simple)</a:t>
+            </a:r>
+          </a:p>
+          <a:p>
+            <a:pPr marL="420623" indent="-297942" defTabSz="841247">
               <a:buClr>
                 <a:srgbClr val="856886"/>
               </a:buClr>
-              <a:buSzPts val="1400"/>
+              <a:buSzPts val="1300"/>
               <a:buChar char="➔"/>
-              <a:defRPr sz="1400">
+              <a:defRPr sz="1380">
                 <a:solidFill>
                   <a:srgbClr val="000000"/>
                 </a:solidFill>
               </a:defRPr>
             </a:pPr>
             <a:r>
-              <a:t>App generates personalized grounding instructions or coping exercises</a:t>
-            </a:r>
-          </a:p>
-          <a:p>
-            <a:pPr indent="-317500">
-              <a:buClr>
-                <a:srgbClr val="856886"/>
-              </a:buClr>
-              <a:buSzPts val="1400"/>
-              <a:buChar char="➔"/>
-              <a:defRPr sz="1400">
+              <a:t>Identifies patterns in user logs (optional feature) to recommend tools that work best for them</a:t>
+            </a:r>
+            <a:br/>
+          </a:p>
+          <a:p>
+            <a:pPr marL="0" indent="0" defTabSz="841247">
+              <a:spcBef>
+                <a:spcPts val="1100"/>
+              </a:spcBef>
+              <a:buSzTx/>
+              <a:buNone/>
+              <a:defRPr b="1" sz="1564">
+                <a:solidFill>
+                  <a:srgbClr val="EF8B67"/>
+                </a:solidFill>
+              </a:defRPr>
+            </a:pPr>
+            <a:r>
+              <a:t>Important Note:</a:t>
+            </a:r>
+          </a:p>
+          <a:p>
+            <a:pPr marL="0" indent="0" defTabSz="841247">
+              <a:spcBef>
+                <a:spcPts val="1100"/>
+              </a:spcBef>
+              <a:buSzTx/>
+              <a:buNone/>
+              <a:defRPr sz="1380">
                 <a:solidFill>
                   <a:srgbClr val="000000"/>
                 </a:solidFill>
               </a:defRPr>
             </a:pPr>
             <a:r>
-              <a:t>Hands-free audio guidance for situations like driving anxiety</a:t>
-            </a:r>
-          </a:p>
-          <a:p>
-            <a:pPr marL="0" indent="0">
-              <a:spcBef>
-                <a:spcPts val="1200"/>
-              </a:spcBef>
-              <a:buSzTx/>
-              <a:buNone/>
-              <a:defRPr b="1" sz="1600">
-                <a:solidFill>
-                  <a:srgbClr val="856886"/>
-                </a:solidFill>
-              </a:defRPr>
-            </a:pPr>
-            <a:r>
-              <a:t>User Benefit:</a:t>
-            </a:r>
-          </a:p>
-          <a:p>
-            <a:pPr marL="0" indent="0">
-              <a:spcBef>
-                <a:spcPts val="1200"/>
-              </a:spcBef>
-              <a:buSzTx/>
-              <a:buNone/>
-              <a:defRPr sz="1400">
-                <a:solidFill>
-                  <a:srgbClr val="000000"/>
-                </a:solidFill>
-              </a:defRPr>
-            </a:pPr>
-            <a:r>
-              <a:t>Instant support for people who can’t unlock, navigate, or think through options during a crisis.</a:t>
+              <a:t>The AI </a:t>
+            </a:r>
+            <a:r>
+              <a:rPr i="1"/>
+              <a:t>does not diagnose</a:t>
+            </a:r>
+            <a:r>
+              <a:t>. It only helps choose the appropriate coping flow based on user input. We can use science backed research and experts in the field to avoid negative results</a:t>
             </a:r>
           </a:p>
         </p:txBody>
       </p:sp>
       <p:sp>
         <p:nvSpPr>
-          <p:cNvPr id="123" name="Google Shape;77;p16"/>
+          <p:cNvPr id="125" name="Google Shape;84;p17"/>
           <p:cNvSpPr/>
           <p:nvPr/>
         </p:nvSpPr>
         <p:spPr>
           <a:xfrm>
-            <a:off x="1170450" y="390724"/>
-            <a:ext cx="6803100" cy="681302"/>
+            <a:off x="1125000" y="390723"/>
+            <a:ext cx="6803100" cy="681304"/>
           </a:xfrm>
           <a:prstGeom prst="rect">
             <a:avLst/>
           </a:prstGeom>
           <a:ln w="38100">
             <a:solidFill>
-              <a:srgbClr val="856886"/>
+              <a:srgbClr val="6792C7"/>
             </a:solidFill>
           </a:ln>
         </p:spPr>
@@ -4430,10 +4291,46 @@
           <a:bodyPr lIns="0" tIns="0" rIns="0" bIns="0" anchor="ctr"/>
           <a:lstStyle/>
           <a:p>
-            <a:pPr algn="ctr"/>
+            <a:pPr algn="r">
+              <a:defRPr>
+                <a:latin typeface="+mn-lt"/>
+                <a:ea typeface="+mn-ea"/>
+                <a:cs typeface="+mn-cs"/>
+                <a:sym typeface="Arial"/>
+              </a:defRPr>
+            </a:pPr>
           </a:p>
         </p:txBody>
       </p:sp>
+      <p:pic>
+        <p:nvPicPr>
+          <p:cNvPr id="126" name="StressFirstAid2.png" descr="StressFirstAid2.png"/>
+          <p:cNvPicPr>
+            <a:picLocks noChangeAspect="1"/>
+          </p:cNvPicPr>
+          <p:nvPr/>
+        </p:nvPicPr>
+        <p:blipFill>
+          <a:blip r:embed="rId2">
+            <a:extLst/>
+          </a:blip>
+          <a:stretch>
+            <a:fillRect/>
+          </a:stretch>
+        </p:blipFill>
+        <p:spPr>
+          <a:xfrm>
+            <a:off x="5955264" y="1262696"/>
+            <a:ext cx="2559850" cy="3063964"/>
+          </a:xfrm>
+          <a:prstGeom prst="rect">
+            <a:avLst/>
+          </a:prstGeom>
+          <a:ln w="12700">
+            <a:miter lim="400000"/>
+          </a:ln>
+        </p:spPr>
+      </p:pic>
     </p:spTree>
   </p:cSld>
   <p:clrMapOvr>
@@ -4446,6 +4343,13 @@
 <file path=ppt/slides/slide5.xml><?xml version="1.0" encoding="utf-8"?>
 <p:sld xmlns:a="http://schemas.openxmlformats.org/drawingml/2006/main" xmlns:r="http://schemas.openxmlformats.org/officeDocument/2006/relationships" xmlns:p="http://schemas.openxmlformats.org/presentationml/2006/main" xmlns:m="http://schemas.openxmlformats.org/officeDocument/2006/math" xmlns:a14="http://schemas.microsoft.com/office/drawing/2010/main" showMasterSp="1" showMasterPhAnim="1">
   <p:cSld>
+    <p:bg>
+      <p:bgPr>
+        <a:solidFill>
+          <a:srgbClr val="EBF5EE"/>
+        </a:solidFill>
+      </p:bgPr>
+    </p:bg>
     <p:spTree>
       <p:nvGrpSpPr>
         <p:cNvPr id="1" name=""/>
@@ -4462,238 +4366,17 @@
       </p:grpSpPr>
       <p:sp>
         <p:nvSpPr>
-          <p:cNvPr id="125" name="Google Shape;82;p17"/>
+          <p:cNvPr id="128" name="Uses classification to label a users state: panic spike, rising anxiety, overwhelm, grounding needed…"/>
           <p:cNvSpPr txBox="1"/>
           <p:nvPr>
-            <p:ph type="title"/>
+            <p:ph type="body" sz="half" idx="1"/>
           </p:nvPr>
         </p:nvSpPr>
         <p:spPr>
           <a:xfrm>
-            <a:off x="311699" y="445025"/>
-            <a:ext cx="8520602" cy="572701"/>
+            <a:off x="311699" y="1152475"/>
+            <a:ext cx="8678940" cy="1595517"/>
           </a:xfrm>
-          <a:prstGeom prst="rect">
-            <a:avLst/>
-          </a:prstGeom>
-        </p:spPr>
-        <p:txBody>
-          <a:bodyPr/>
-          <a:lstStyle>
-            <a:lvl1pPr algn="ctr">
-              <a:defRPr sz="2500">
-                <a:solidFill>
-                  <a:srgbClr val="168C80"/>
-                </a:solidFill>
-              </a:defRPr>
-            </a:lvl1pPr>
-          </a:lstStyle>
-          <a:p>
-            <a:pPr/>
-            <a:r>
-              <a:t>How AI Is Applied</a:t>
-            </a:r>
-          </a:p>
-        </p:txBody>
-      </p:sp>
-      <p:sp>
-        <p:nvSpPr>
-          <p:cNvPr id="126" name="Google Shape;83;p17"/>
-          <p:cNvSpPr txBox="1"/>
-          <p:nvPr>
-            <p:ph type="body" idx="1"/>
-          </p:nvPr>
-        </p:nvSpPr>
-        <p:spPr>
-          <a:xfrm>
-            <a:off x="266249" y="1205483"/>
-            <a:ext cx="8520602" cy="3416401"/>
-          </a:xfrm>
-          <a:prstGeom prst="rect">
-            <a:avLst/>
-          </a:prstGeom>
-        </p:spPr>
-        <p:txBody>
-          <a:bodyPr/>
-          <a:lstStyle/>
-          <a:p>
-            <a:pPr marL="0" indent="0">
-              <a:spcBef>
-                <a:spcPts val="1200"/>
-              </a:spcBef>
-              <a:buSzTx/>
-              <a:buNone/>
-              <a:defRPr b="1" sz="1700">
-                <a:solidFill>
-                  <a:srgbClr val="856886"/>
-                </a:solidFill>
-              </a:defRPr>
-            </a:pPr>
-            <a:r>
-              <a:t>AI Usage (High Level, Non-Clinical):</a:t>
-            </a:r>
-          </a:p>
-          <a:p>
-            <a:pPr indent="-323850">
-              <a:spcBef>
-                <a:spcPts val="1200"/>
-              </a:spcBef>
-              <a:buClr>
-                <a:srgbClr val="856886"/>
-              </a:buClr>
-              <a:buSzPts val="1500"/>
-              <a:buChar char="➔"/>
-              <a:defRPr sz="1500">
-                <a:solidFill>
-                  <a:srgbClr val="000000"/>
-                </a:solidFill>
-              </a:defRPr>
-            </a:pPr>
-            <a:r>
-              <a:t>Classifies the user’s chosen symptoms to match them with the right support flow</a:t>
-            </a:r>
-          </a:p>
-          <a:p>
-            <a:pPr indent="-323850">
-              <a:buClr>
-                <a:srgbClr val="856886"/>
-              </a:buClr>
-              <a:buSzPts val="1500"/>
-              <a:buChar char="➔"/>
-              <a:defRPr sz="1500">
-                <a:solidFill>
-                  <a:srgbClr val="000000"/>
-                </a:solidFill>
-              </a:defRPr>
-            </a:pPr>
-            <a:r>
-              <a:t>Adapts coping steps based on previous user choices (personalized but simple)</a:t>
-            </a:r>
-          </a:p>
-          <a:p>
-            <a:pPr indent="-323850">
-              <a:buClr>
-                <a:srgbClr val="856886"/>
-              </a:buClr>
-              <a:buSzPts val="1500"/>
-              <a:buChar char="➔"/>
-              <a:defRPr sz="1500">
-                <a:solidFill>
-                  <a:srgbClr val="000000"/>
-                </a:solidFill>
-              </a:defRPr>
-            </a:pPr>
-            <a:r>
-              <a:t>Identifies patterns in user logs (optional feature) to recommend tools that work best for them</a:t>
-            </a:r>
-            <a:br/>
-          </a:p>
-          <a:p>
-            <a:pPr marL="0" indent="0">
-              <a:spcBef>
-                <a:spcPts val="1200"/>
-              </a:spcBef>
-              <a:buSzTx/>
-              <a:buNone/>
-              <a:defRPr b="1" sz="1700">
-                <a:solidFill>
-                  <a:srgbClr val="856886"/>
-                </a:solidFill>
-              </a:defRPr>
-            </a:pPr>
-            <a:r>
-              <a:t>Important Note:</a:t>
-            </a:r>
-          </a:p>
-          <a:p>
-            <a:pPr marL="0" indent="0">
-              <a:spcBef>
-                <a:spcPts val="1200"/>
-              </a:spcBef>
-              <a:buSzTx/>
-              <a:buNone/>
-              <a:defRPr sz="1500">
-                <a:solidFill>
-                  <a:srgbClr val="000000"/>
-                </a:solidFill>
-              </a:defRPr>
-            </a:pPr>
-            <a:r>
-              <a:t>The AI </a:t>
-            </a:r>
-            <a:r>
-              <a:rPr i="1"/>
-              <a:t>does not diagnose</a:t>
-            </a:r>
-            <a:r>
-              <a:t>. It only helps choose the appropriate coping flow based on user input. We can use science backed research and experts in the field to avoid negative results</a:t>
-            </a:r>
-          </a:p>
-        </p:txBody>
-      </p:sp>
-      <p:sp>
-        <p:nvSpPr>
-          <p:cNvPr id="127" name="Google Shape;84;p17"/>
-          <p:cNvSpPr/>
-          <p:nvPr/>
-        </p:nvSpPr>
-        <p:spPr>
-          <a:xfrm>
-            <a:off x="1125000" y="390724"/>
-            <a:ext cx="6803100" cy="681302"/>
-          </a:xfrm>
-          <a:prstGeom prst="rect">
-            <a:avLst/>
-          </a:prstGeom>
-          <a:ln w="38100">
-            <a:solidFill>
-              <a:srgbClr val="856886"/>
-            </a:solidFill>
-          </a:ln>
-        </p:spPr>
-        <p:txBody>
-          <a:bodyPr lIns="0" tIns="0" rIns="0" bIns="0" anchor="ctr"/>
-          <a:lstStyle/>
-          <a:p>
-            <a:pPr algn="r"/>
-          </a:p>
-        </p:txBody>
-      </p:sp>
-    </p:spTree>
-  </p:cSld>
-  <p:clrMapOvr>
-    <a:masterClrMapping/>
-  </p:clrMapOvr>
-  <p:transition xmlns:p14="http://schemas.microsoft.com/office/powerpoint/2010/main" spd="med" advClick="1"/>
-</p:sld>
-</file>
-
-<file path=ppt/slides/slide6.xml><?xml version="1.0" encoding="utf-8"?>
-<p:sld xmlns:a="http://schemas.openxmlformats.org/drawingml/2006/main" xmlns:r="http://schemas.openxmlformats.org/officeDocument/2006/relationships" xmlns:p="http://schemas.openxmlformats.org/presentationml/2006/main" xmlns:m="http://schemas.openxmlformats.org/officeDocument/2006/math" xmlns:a14="http://schemas.microsoft.com/office/drawing/2010/main" showMasterSp="1" showMasterPhAnim="1">
-  <p:cSld>
-    <p:spTree>
-      <p:nvGrpSpPr>
-        <p:cNvPr id="1" name=""/>
-        <p:cNvGrpSpPr/>
-        <p:nvPr/>
-      </p:nvGrpSpPr>
-      <p:grpSpPr>
-        <a:xfrm>
-          <a:off x="0" y="0"/>
-          <a:ext cx="0" cy="0"/>
-          <a:chOff x="0" y="0"/>
-          <a:chExt cx="0" cy="0"/>
-        </a:xfrm>
-      </p:grpSpPr>
-      <p:sp>
-        <p:nvSpPr>
-          <p:cNvPr id="129" name="Uses classification to label a users state: panic spike, rising anxiety, overwhelm, grounding needed…"/>
-          <p:cNvSpPr txBox="1"/>
-          <p:nvPr>
-            <p:ph type="body" idx="1"/>
-          </p:nvPr>
-        </p:nvSpPr>
-        <p:spPr>
           <a:prstGeom prst="rect">
             <a:avLst/>
           </a:prstGeom>
@@ -4734,7 +4417,7 @@
                 <a:spcPts val="200"/>
               </a:spcBef>
               <a:buClr>
-                <a:srgbClr val="856886"/>
+                <a:srgbClr val="6792C7"/>
               </a:buClr>
               <a:buSzPts val="1500"/>
               <a:buChar char="➔"/>
@@ -4761,7 +4444,7 @@
                 <a:spcPts val="200"/>
               </a:spcBef>
               <a:buClr>
-                <a:srgbClr val="856886"/>
+                <a:srgbClr val="6792C7"/>
               </a:buClr>
               <a:buSzPts val="1500"/>
               <a:buChar char="➔"/>
@@ -4788,7 +4471,7 @@
                 <a:spcPts val="200"/>
               </a:spcBef>
               <a:buClr>
-                <a:srgbClr val="856886"/>
+                <a:srgbClr val="6792C7"/>
               </a:buClr>
               <a:buSzPts val="1500"/>
               <a:buChar char="➔"/>
@@ -4815,7 +4498,7 @@
                 <a:spcPts val="200"/>
               </a:spcBef>
               <a:buClr>
-                <a:srgbClr val="856886"/>
+                <a:srgbClr val="6792C7"/>
               </a:buClr>
               <a:buSzPts val="1500"/>
               <a:buChar char="➔"/>
@@ -4833,73 +4516,25 @@
               <a:t>Makes sure to stay non-clinical (no diagnosis, no therapy advice)</a:t>
             </a:r>
           </a:p>
-          <a:p>
-            <a:pPr marL="317500" indent="-177800" defTabSz="12700">
-              <a:lnSpc>
-                <a:spcPct val="100000"/>
-              </a:lnSpc>
-              <a:spcBef>
-                <a:spcPts val="200"/>
-              </a:spcBef>
-              <a:buClr>
-                <a:srgbClr val="856886"/>
-              </a:buClr>
-              <a:buSzPts val="1500"/>
-              <a:buChar char="➔"/>
-              <a:tabLst>
-                <a:tab pos="63500" algn="r"/>
-                <a:tab pos="165100" algn="l"/>
-              </a:tabLst>
-              <a:defRPr sz="1500">
-                <a:solidFill>
-                  <a:srgbClr val="111111"/>
-                </a:solidFill>
-              </a:defRPr>
-            </a:pPr>
-          </a:p>
-          <a:p>
-            <a:pPr marL="317500" indent="-177800" defTabSz="12700">
-              <a:lnSpc>
-                <a:spcPct val="100000"/>
-              </a:lnSpc>
-              <a:spcBef>
-                <a:spcPts val="200"/>
-              </a:spcBef>
-              <a:buClr>
-                <a:srgbClr val="856886"/>
-              </a:buClr>
-              <a:buSzPts val="1500"/>
-              <a:buChar char="➔"/>
-              <a:tabLst>
-                <a:tab pos="63500" algn="r"/>
-                <a:tab pos="165100" algn="l"/>
-              </a:tabLst>
-              <a:defRPr sz="1500">
-                <a:solidFill>
-                  <a:srgbClr val="111111"/>
-                </a:solidFill>
-              </a:defRPr>
-            </a:pPr>
-          </a:p>
         </p:txBody>
       </p:sp>
       <p:sp>
         <p:nvSpPr>
-          <p:cNvPr id="130" name="Google Shape;84;p17"/>
+          <p:cNvPr id="129" name="Google Shape;84;p17"/>
           <p:cNvSpPr/>
           <p:nvPr/>
         </p:nvSpPr>
         <p:spPr>
           <a:xfrm>
-            <a:off x="1125000" y="390724"/>
-            <a:ext cx="6803100" cy="681302"/>
+            <a:off x="1125000" y="390723"/>
+            <a:ext cx="6803100" cy="681304"/>
           </a:xfrm>
           <a:prstGeom prst="rect">
             <a:avLst/>
           </a:prstGeom>
           <a:ln w="38100">
             <a:solidFill>
-              <a:srgbClr val="856886"/>
+              <a:srgbClr val="6792C7"/>
             </a:solidFill>
           </a:ln>
         </p:spPr>
@@ -4907,20 +4542,27 @@
           <a:bodyPr lIns="0" tIns="0" rIns="0" bIns="0" anchor="ctr"/>
           <a:lstStyle/>
           <a:p>
-            <a:pPr algn="r"/>
+            <a:pPr algn="r">
+              <a:defRPr>
+                <a:latin typeface="+mn-lt"/>
+                <a:ea typeface="+mn-ea"/>
+                <a:cs typeface="+mn-cs"/>
+                <a:sym typeface="Arial"/>
+              </a:defRPr>
+            </a:pPr>
           </a:p>
         </p:txBody>
       </p:sp>
       <p:sp>
         <p:nvSpPr>
-          <p:cNvPr id="131" name="Google Shape;82;p17"/>
+          <p:cNvPr id="130" name="Google Shape;82;p17"/>
           <p:cNvSpPr txBox="1"/>
           <p:nvPr/>
         </p:nvSpPr>
         <p:spPr>
           <a:xfrm>
-            <a:off x="266250" y="445024"/>
-            <a:ext cx="8520601" cy="572702"/>
+            <a:off x="266250" y="445023"/>
+            <a:ext cx="8520601" cy="572704"/>
           </a:xfrm>
           <a:prstGeom prst="rect">
             <a:avLst/>
@@ -4935,15 +4577,19 @@
           </a:extLst>
         </p:spPr>
         <p:txBody>
-          <a:bodyPr lIns="91424" tIns="91424" rIns="91424" bIns="91424">
+          <a:bodyPr lIns="91423" tIns="91423" rIns="91423" bIns="91423">
             <a:normAutofit fontScale="100000" lnSpcReduction="0"/>
           </a:bodyPr>
           <a:lstStyle>
             <a:lvl1pPr algn="ctr">
               <a:defRPr sz="2500">
                 <a:solidFill>
-                  <a:srgbClr val="168C80"/>
+                  <a:srgbClr val="EF8B67"/>
                 </a:solidFill>
+                <a:latin typeface="+mn-lt"/>
+                <a:ea typeface="+mn-ea"/>
+                <a:cs typeface="+mn-cs"/>
+                <a:sym typeface="Arial"/>
               </a:defRPr>
             </a:lvl1pPr>
           </a:lstStyle>
@@ -4955,6 +4601,93 @@
           </a:p>
         </p:txBody>
       </p:sp>
+      <p:pic>
+        <p:nvPicPr>
+          <p:cNvPr id="131" name="pasted-movie.png" descr="pasted-movie.png"/>
+          <p:cNvPicPr>
+            <a:picLocks noChangeAspect="1"/>
+          </p:cNvPicPr>
+          <p:nvPr/>
+        </p:nvPicPr>
+        <p:blipFill>
+          <a:blip r:embed="rId2">
+            <a:extLst/>
+          </a:blip>
+          <a:stretch>
+            <a:fillRect/>
+          </a:stretch>
+        </p:blipFill>
+        <p:spPr>
+          <a:xfrm>
+            <a:off x="377536" y="2811894"/>
+            <a:ext cx="2003552" cy="2314783"/>
+          </a:xfrm>
+          <a:prstGeom prst="rect">
+            <a:avLst/>
+          </a:prstGeom>
+          <a:ln w="12700">
+            <a:miter lim="400000"/>
+          </a:ln>
+        </p:spPr>
+      </p:pic>
+      <p:pic>
+        <p:nvPicPr>
+          <p:cNvPr id="132" name="pasted-movie.png" descr="pasted-movie.png"/>
+          <p:cNvPicPr>
+            <a:picLocks noChangeAspect="1"/>
+          </p:cNvPicPr>
+          <p:nvPr/>
+        </p:nvPicPr>
+        <p:blipFill>
+          <a:blip r:embed="rId3">
+            <a:extLst/>
+          </a:blip>
+          <a:stretch>
+            <a:fillRect/>
+          </a:stretch>
+        </p:blipFill>
+        <p:spPr>
+          <a:xfrm>
+            <a:off x="3510477" y="2811894"/>
+            <a:ext cx="2003552" cy="2314783"/>
+          </a:xfrm>
+          <a:prstGeom prst="rect">
+            <a:avLst/>
+          </a:prstGeom>
+          <a:ln w="12700">
+            <a:miter lim="400000"/>
+          </a:ln>
+        </p:spPr>
+      </p:pic>
+      <p:pic>
+        <p:nvPicPr>
+          <p:cNvPr id="133" name="pasted-movie.png" descr="pasted-movie.png"/>
+          <p:cNvPicPr>
+            <a:picLocks noChangeAspect="1"/>
+          </p:cNvPicPr>
+          <p:nvPr/>
+        </p:nvPicPr>
+        <p:blipFill>
+          <a:blip r:embed="rId4">
+            <a:extLst/>
+          </a:blip>
+          <a:stretch>
+            <a:fillRect/>
+          </a:stretch>
+        </p:blipFill>
+        <p:spPr>
+          <a:xfrm>
+            <a:off x="6591300" y="2813298"/>
+            <a:ext cx="2003551" cy="2313379"/>
+          </a:xfrm>
+          <a:prstGeom prst="rect">
+            <a:avLst/>
+          </a:prstGeom>
+          <a:ln w="12700">
+            <a:miter lim="400000"/>
+          </a:ln>
+        </p:spPr>
+      </p:pic>
     </p:spTree>
   </p:cSld>
   <p:clrMapOvr>
@@ -4964,9 +4697,16 @@
 </p:sld>
 </file>
 
-<file path=ppt/slides/slide7.xml><?xml version="1.0" encoding="utf-8"?>
+<file path=ppt/slides/slide6.xml><?xml version="1.0" encoding="utf-8"?>
 <p:sld xmlns:a="http://schemas.openxmlformats.org/drawingml/2006/main" xmlns:r="http://schemas.openxmlformats.org/officeDocument/2006/relationships" xmlns:p="http://schemas.openxmlformats.org/presentationml/2006/main" xmlns:m="http://schemas.openxmlformats.org/officeDocument/2006/math" xmlns:a14="http://schemas.microsoft.com/office/drawing/2010/main" showMasterSp="1" showMasterPhAnim="1">
   <p:cSld>
+    <p:bg>
+      <p:bgPr>
+        <a:solidFill>
+          <a:srgbClr val="EBF5EE"/>
+        </a:solidFill>
+      </p:bgPr>
+    </p:bg>
     <p:spTree>
       <p:nvGrpSpPr>
         <p:cNvPr id="1" name=""/>
@@ -4983,13 +4723,17 @@
       </p:grpSpPr>
       <p:sp>
         <p:nvSpPr>
-          <p:cNvPr id="133" name="Open mental-health dataset…"/>
+          <p:cNvPr id="135" name="Open mental-health dataset…"/>
           <p:cNvSpPr txBox="1"/>
           <p:nvPr>
-            <p:ph type="body" idx="1"/>
+            <p:ph type="body" sz="half" idx="1"/>
           </p:nvPr>
         </p:nvSpPr>
         <p:spPr>
+          <a:xfrm>
+            <a:off x="311699" y="1152475"/>
+            <a:ext cx="5195511" cy="3416400"/>
+          </a:xfrm>
           <a:prstGeom prst="rect">
             <a:avLst/>
           </a:prstGeom>
@@ -5003,7 +4747,7 @@
                 <a:spcPct val="110000"/>
               </a:lnSpc>
               <a:buClr>
-                <a:srgbClr val="856886"/>
+                <a:srgbClr val="6792C7"/>
               </a:buClr>
               <a:buSzPts val="1600"/>
               <a:buChar char="➔"/>
@@ -5015,9 +4759,9 @@
                 <a:solidFill>
                   <a:srgbClr val="111111"/>
                 </a:solidFill>
-                <a:latin typeface="+mn-lt"/>
-                <a:ea typeface="+mn-ea"/>
-                <a:cs typeface="+mn-cs"/>
+                <a:latin typeface="+mj-lt"/>
+                <a:ea typeface="+mj-ea"/>
+                <a:cs typeface="+mj-cs"/>
                 <a:sym typeface="Helvetica"/>
               </a:defRPr>
             </a:pPr>
@@ -5028,7 +4772,7 @@
                 <a:spcPct val="110000"/>
               </a:lnSpc>
               <a:buClr>
-                <a:srgbClr val="856886"/>
+                <a:srgbClr val="6792C7"/>
               </a:buClr>
               <a:buSzPts val="1600"/>
               <a:buChar char="➔"/>
@@ -5040,9 +4784,9 @@
                 <a:solidFill>
                   <a:srgbClr val="111111"/>
                 </a:solidFill>
-                <a:latin typeface="+mn-lt"/>
-                <a:ea typeface="+mn-ea"/>
-                <a:cs typeface="+mn-cs"/>
+                <a:latin typeface="+mj-lt"/>
+                <a:ea typeface="+mj-ea"/>
+                <a:cs typeface="+mj-cs"/>
                 <a:sym typeface="Helvetica"/>
               </a:defRPr>
             </a:pPr>
@@ -5056,7 +4800,7 @@
                 <a:spcPct val="110000"/>
               </a:lnSpc>
               <a:buClr>
-                <a:srgbClr val="856886"/>
+                <a:srgbClr val="6792C7"/>
               </a:buClr>
               <a:buSzPts val="1600"/>
               <a:tabLst>
@@ -5067,9 +4811,9 @@
                 <a:solidFill>
                   <a:srgbClr val="111111"/>
                 </a:solidFill>
-                <a:latin typeface="+mn-lt"/>
-                <a:ea typeface="+mn-ea"/>
-                <a:cs typeface="+mn-cs"/>
+                <a:latin typeface="+mj-lt"/>
+                <a:ea typeface="+mj-ea"/>
+                <a:cs typeface="+mj-cs"/>
                 <a:sym typeface="Helvetica"/>
               </a:defRPr>
             </a:pPr>
@@ -5083,7 +4827,7 @@
                 <a:spcPct val="110000"/>
               </a:lnSpc>
               <a:buClr>
-                <a:srgbClr val="856886"/>
+                <a:srgbClr val="6792C7"/>
               </a:buClr>
               <a:buSzPts val="1600"/>
               <a:buChar char="➔"/>
@@ -5095,9 +4839,9 @@
                 <a:solidFill>
                   <a:srgbClr val="111111"/>
                 </a:solidFill>
-                <a:latin typeface="+mn-lt"/>
-                <a:ea typeface="+mn-ea"/>
-                <a:cs typeface="+mn-cs"/>
+                <a:latin typeface="+mj-lt"/>
+                <a:ea typeface="+mj-ea"/>
+                <a:cs typeface="+mj-cs"/>
                 <a:sym typeface="Helvetica"/>
               </a:defRPr>
             </a:pPr>
@@ -5111,7 +4855,7 @@
                 <a:spcPct val="110000"/>
               </a:lnSpc>
               <a:buClr>
-                <a:srgbClr val="856886"/>
+                <a:srgbClr val="6792C7"/>
               </a:buClr>
               <a:buSzPts val="1600"/>
               <a:tabLst>
@@ -5122,9 +4866,9 @@
                 <a:solidFill>
                   <a:srgbClr val="111111"/>
                 </a:solidFill>
-                <a:latin typeface="+mn-lt"/>
-                <a:ea typeface="+mn-ea"/>
-                <a:cs typeface="+mn-cs"/>
+                <a:latin typeface="+mj-lt"/>
+                <a:ea typeface="+mj-ea"/>
+                <a:cs typeface="+mj-cs"/>
                 <a:sym typeface="Helvetica"/>
               </a:defRPr>
             </a:pPr>
@@ -5138,7 +4882,7 @@
                 <a:spcPct val="110000"/>
               </a:lnSpc>
               <a:buClr>
-                <a:srgbClr val="856886"/>
+                <a:srgbClr val="6792C7"/>
               </a:buClr>
               <a:buSzPts val="1600"/>
               <a:buChar char="➔"/>
@@ -5150,9 +4894,9 @@
                 <a:solidFill>
                   <a:srgbClr val="111111"/>
                 </a:solidFill>
-                <a:latin typeface="+mn-lt"/>
-                <a:ea typeface="+mn-ea"/>
-                <a:cs typeface="+mn-cs"/>
+                <a:latin typeface="+mj-lt"/>
+                <a:ea typeface="+mj-ea"/>
+                <a:cs typeface="+mj-cs"/>
                 <a:sym typeface="Helvetica"/>
               </a:defRPr>
             </a:pPr>
@@ -5166,7 +4910,7 @@
                 <a:spcPct val="110000"/>
               </a:lnSpc>
               <a:buClr>
-                <a:srgbClr val="856886"/>
+                <a:srgbClr val="6792C7"/>
               </a:buClr>
               <a:buSzPts val="1600"/>
               <a:tabLst>
@@ -5177,9 +4921,9 @@
                 <a:solidFill>
                   <a:srgbClr val="111111"/>
                 </a:solidFill>
-                <a:latin typeface="+mn-lt"/>
-                <a:ea typeface="+mn-ea"/>
-                <a:cs typeface="+mn-cs"/>
+                <a:latin typeface="+mj-lt"/>
+                <a:ea typeface="+mj-ea"/>
+                <a:cs typeface="+mj-cs"/>
                 <a:sym typeface="Helvetica"/>
               </a:defRPr>
             </a:pPr>
@@ -5193,7 +4937,7 @@
                 <a:spcPct val="110000"/>
               </a:lnSpc>
               <a:buClr>
-                <a:srgbClr val="856886"/>
+                <a:srgbClr val="6792C7"/>
               </a:buClr>
               <a:buSzPts val="1600"/>
               <a:tabLst>
@@ -5204,9 +4948,9 @@
                 <a:solidFill>
                   <a:srgbClr val="111111"/>
                 </a:solidFill>
-                <a:latin typeface="+mn-lt"/>
-                <a:ea typeface="+mn-ea"/>
-                <a:cs typeface="+mn-cs"/>
+                <a:latin typeface="+mj-lt"/>
+                <a:ea typeface="+mj-ea"/>
+                <a:cs typeface="+mj-cs"/>
                 <a:sym typeface="Helvetica"/>
               </a:defRPr>
             </a:pPr>
@@ -5220,7 +4964,7 @@
                 <a:spcPct val="110000"/>
               </a:lnSpc>
               <a:buClr>
-                <a:srgbClr val="856886"/>
+                <a:srgbClr val="6792C7"/>
               </a:buClr>
               <a:buSzPts val="1600"/>
               <a:buChar char="➔"/>
@@ -5258,7 +5002,7 @@
                 <a:spcPct val="110000"/>
               </a:lnSpc>
               <a:buClr>
-                <a:srgbClr val="856886"/>
+                <a:srgbClr val="6792C7"/>
               </a:buClr>
               <a:buSzPts val="1600"/>
               <a:tabLst>
@@ -5293,21 +5037,21 @@
       </p:sp>
       <p:sp>
         <p:nvSpPr>
-          <p:cNvPr id="134" name="Google Shape;84;p17"/>
+          <p:cNvPr id="136" name="Google Shape;84;p17"/>
           <p:cNvSpPr/>
           <p:nvPr/>
         </p:nvSpPr>
         <p:spPr>
           <a:xfrm>
-            <a:off x="1125000" y="390724"/>
-            <a:ext cx="6803100" cy="681302"/>
+            <a:off x="1125000" y="390723"/>
+            <a:ext cx="6803100" cy="681304"/>
           </a:xfrm>
           <a:prstGeom prst="rect">
             <a:avLst/>
           </a:prstGeom>
           <a:ln w="38100">
             <a:solidFill>
-              <a:srgbClr val="856886"/>
+              <a:srgbClr val="EF8B67"/>
             </a:solidFill>
           </a:ln>
         </p:spPr>
@@ -5315,20 +5059,27 @@
           <a:bodyPr lIns="0" tIns="0" rIns="0" bIns="0" anchor="ctr"/>
           <a:lstStyle/>
           <a:p>
-            <a:pPr algn="r"/>
+            <a:pPr algn="r">
+              <a:defRPr>
+                <a:latin typeface="+mn-lt"/>
+                <a:ea typeface="+mn-ea"/>
+                <a:cs typeface="+mn-cs"/>
+                <a:sym typeface="Arial"/>
+              </a:defRPr>
+            </a:pPr>
           </a:p>
         </p:txBody>
       </p:sp>
       <p:sp>
         <p:nvSpPr>
-          <p:cNvPr id="135" name="Google Shape;82;p17"/>
+          <p:cNvPr id="137" name="Google Shape;82;p17"/>
           <p:cNvSpPr txBox="1"/>
           <p:nvPr/>
         </p:nvSpPr>
         <p:spPr>
           <a:xfrm>
             <a:off x="311699" y="445025"/>
-            <a:ext cx="8520602" cy="572701"/>
+            <a:ext cx="8520602" cy="572702"/>
           </a:xfrm>
           <a:prstGeom prst="rect">
             <a:avLst/>
@@ -5343,15 +5094,19 @@
           </a:extLst>
         </p:spPr>
         <p:txBody>
-          <a:bodyPr lIns="91424" tIns="91424" rIns="91424" bIns="91424">
+          <a:bodyPr lIns="91423" tIns="91423" rIns="91423" bIns="91423">
             <a:normAutofit fontScale="100000" lnSpcReduction="0"/>
           </a:bodyPr>
           <a:lstStyle>
             <a:lvl1pPr algn="ctr">
               <a:defRPr sz="2500">
                 <a:solidFill>
-                  <a:srgbClr val="168C80"/>
+                  <a:srgbClr val="6792C7"/>
                 </a:solidFill>
+                <a:latin typeface="+mn-lt"/>
+                <a:ea typeface="+mn-ea"/>
+                <a:cs typeface="+mn-cs"/>
+                <a:sym typeface="Arial"/>
               </a:defRPr>
             </a:lvl1pPr>
           </a:lstStyle>
@@ -5363,6 +5118,35 @@
           </a:p>
         </p:txBody>
       </p:sp>
+      <p:pic>
+        <p:nvPicPr>
+          <p:cNvPr id="138" name="w1600.png" descr="w1600.png"/>
+          <p:cNvPicPr>
+            <a:picLocks noChangeAspect="1"/>
+          </p:cNvPicPr>
+          <p:nvPr/>
+        </p:nvPicPr>
+        <p:blipFill>
+          <a:blip r:embed="rId2">
+            <a:extLst/>
+          </a:blip>
+          <a:stretch>
+            <a:fillRect/>
+          </a:stretch>
+        </p:blipFill>
+        <p:spPr>
+          <a:xfrm>
+            <a:off x="5660680" y="1635062"/>
+            <a:ext cx="3355328" cy="2797156"/>
+          </a:xfrm>
+          <a:prstGeom prst="rect">
+            <a:avLst/>
+          </a:prstGeom>
+          <a:ln w="12700">
+            <a:miter lim="400000"/>
+          </a:ln>
+        </p:spPr>
+      </p:pic>
     </p:spTree>
   </p:cSld>
   <p:clrMapOvr>
@@ -5372,9 +5156,16 @@
 </p:sld>
 </file>
 
-<file path=ppt/slides/slide8.xml><?xml version="1.0" encoding="utf-8"?>
+<file path=ppt/slides/slide7.xml><?xml version="1.0" encoding="utf-8"?>
 <p:sld xmlns:a="http://schemas.openxmlformats.org/drawingml/2006/main" xmlns:r="http://schemas.openxmlformats.org/officeDocument/2006/relationships" xmlns:p="http://schemas.openxmlformats.org/presentationml/2006/main" xmlns:m="http://schemas.openxmlformats.org/officeDocument/2006/math" xmlns:a14="http://schemas.microsoft.com/office/drawing/2010/main" showMasterSp="1" showMasterPhAnim="1">
   <p:cSld>
+    <p:bg>
+      <p:bgPr>
+        <a:solidFill>
+          <a:srgbClr val="EBF5EE"/>
+        </a:solidFill>
+      </p:bgPr>
+    </p:bg>
     <p:spTree>
       <p:nvGrpSpPr>
         <p:cNvPr id="1" name=""/>
@@ -5391,13 +5182,17 @@
       </p:grpSpPr>
       <p:sp>
         <p:nvSpPr>
-          <p:cNvPr id="137" name="NLP can misread slang or even vague messages…"/>
+          <p:cNvPr id="140" name="NLP can misread slang or even vague messages…"/>
           <p:cNvSpPr txBox="1"/>
           <p:nvPr>
-            <p:ph type="body" idx="1"/>
+            <p:ph type="body" sz="half" idx="1"/>
           </p:nvPr>
         </p:nvSpPr>
         <p:spPr>
+          <a:xfrm>
+            <a:off x="470036" y="1244838"/>
+            <a:ext cx="5010785" cy="3416401"/>
+          </a:xfrm>
           <a:prstGeom prst="rect">
             <a:avLst/>
           </a:prstGeom>
@@ -5411,7 +5206,7 @@
                 <a:spcPct val="100000"/>
               </a:lnSpc>
               <a:buClr>
-                <a:srgbClr val="856886"/>
+                <a:srgbClr val="6792C7"/>
               </a:buClr>
               <a:buSzPts val="1700"/>
               <a:buChar char="➔"/>
@@ -5423,9 +5218,9 @@
                 <a:solidFill>
                   <a:srgbClr val="111111"/>
                 </a:solidFill>
-                <a:latin typeface="+mn-lt"/>
-                <a:ea typeface="+mn-ea"/>
-                <a:cs typeface="+mn-cs"/>
+                <a:latin typeface="+mj-lt"/>
+                <a:ea typeface="+mj-ea"/>
+                <a:cs typeface="+mj-cs"/>
                 <a:sym typeface="Helvetica"/>
               </a:defRPr>
             </a:pPr>
@@ -5439,7 +5234,7 @@
                 <a:spcPct val="100000"/>
               </a:lnSpc>
               <a:buClr>
-                <a:srgbClr val="856886"/>
+                <a:srgbClr val="6792C7"/>
               </a:buClr>
               <a:buSzPts val="1700"/>
               <a:buChar char="➔"/>
@@ -5451,9 +5246,9 @@
                 <a:solidFill>
                   <a:srgbClr val="111111"/>
                 </a:solidFill>
-                <a:latin typeface="+mn-lt"/>
-                <a:ea typeface="+mn-ea"/>
-                <a:cs typeface="+mn-cs"/>
+                <a:latin typeface="+mj-lt"/>
+                <a:ea typeface="+mj-ea"/>
+                <a:cs typeface="+mj-cs"/>
                 <a:sym typeface="Helvetica"/>
               </a:defRPr>
             </a:pPr>
@@ -5464,7 +5259,7 @@
                 <a:spcPct val="100000"/>
               </a:lnSpc>
               <a:buClr>
-                <a:srgbClr val="856886"/>
+                <a:srgbClr val="6792C7"/>
               </a:buClr>
               <a:buSzPts val="1700"/>
               <a:buChar char="➔"/>
@@ -5476,9 +5271,9 @@
                 <a:solidFill>
                   <a:srgbClr val="111111"/>
                 </a:solidFill>
-                <a:latin typeface="+mn-lt"/>
-                <a:ea typeface="+mn-ea"/>
-                <a:cs typeface="+mn-cs"/>
+                <a:latin typeface="+mj-lt"/>
+                <a:ea typeface="+mj-ea"/>
+                <a:cs typeface="+mj-cs"/>
                 <a:sym typeface="Helvetica"/>
               </a:defRPr>
             </a:pPr>
@@ -5492,7 +5287,7 @@
                 <a:spcPct val="100000"/>
               </a:lnSpc>
               <a:buClr>
-                <a:srgbClr val="856886"/>
+                <a:srgbClr val="6792C7"/>
               </a:buClr>
               <a:buSzPts val="1700"/>
               <a:tabLst>
@@ -5503,9 +5298,9 @@
                 <a:solidFill>
                   <a:srgbClr val="111111"/>
                 </a:solidFill>
-                <a:latin typeface="+mn-lt"/>
-                <a:ea typeface="+mn-ea"/>
-                <a:cs typeface="+mn-cs"/>
+                <a:latin typeface="+mj-lt"/>
+                <a:ea typeface="+mj-ea"/>
+                <a:cs typeface="+mj-cs"/>
                 <a:sym typeface="Helvetica"/>
               </a:defRPr>
             </a:pPr>
@@ -5534,7 +5329,7 @@
                 <a:spcPct val="100000"/>
               </a:lnSpc>
               <a:buClr>
-                <a:srgbClr val="856886"/>
+                <a:srgbClr val="6792C7"/>
               </a:buClr>
               <a:buSzPts val="1700"/>
               <a:tabLst>
@@ -5545,9 +5340,9 @@
                 <a:solidFill>
                   <a:srgbClr val="111111"/>
                 </a:solidFill>
-                <a:latin typeface="+mn-lt"/>
-                <a:ea typeface="+mn-ea"/>
-                <a:cs typeface="+mn-cs"/>
+                <a:latin typeface="+mj-lt"/>
+                <a:ea typeface="+mj-ea"/>
+                <a:cs typeface="+mj-cs"/>
                 <a:sym typeface="Helvetica"/>
               </a:defRPr>
             </a:pPr>
@@ -5558,7 +5353,7 @@
                 <a:spcPct val="100000"/>
               </a:lnSpc>
               <a:buClr>
-                <a:srgbClr val="856886"/>
+                <a:srgbClr val="6792C7"/>
               </a:buClr>
               <a:buSzPts val="1700"/>
               <a:buChar char="➔"/>
@@ -5570,9 +5365,9 @@
                 <a:solidFill>
                   <a:srgbClr val="111111"/>
                 </a:solidFill>
-                <a:latin typeface="+mn-lt"/>
-                <a:ea typeface="+mn-ea"/>
-                <a:cs typeface="+mn-cs"/>
+                <a:latin typeface="+mj-lt"/>
+                <a:ea typeface="+mj-ea"/>
+                <a:cs typeface="+mj-cs"/>
                 <a:sym typeface="Helvetica"/>
               </a:defRPr>
             </a:pPr>
@@ -5586,7 +5381,7 @@
                 <a:spcPct val="100000"/>
               </a:lnSpc>
               <a:buClr>
-                <a:srgbClr val="856886"/>
+                <a:srgbClr val="6792C7"/>
               </a:buClr>
               <a:buSzPts val="1700"/>
               <a:tabLst>
@@ -5597,9 +5392,9 @@
                 <a:solidFill>
                   <a:srgbClr val="111111"/>
                 </a:solidFill>
-                <a:latin typeface="+mn-lt"/>
-                <a:ea typeface="+mn-ea"/>
-                <a:cs typeface="+mn-cs"/>
+                <a:latin typeface="+mj-lt"/>
+                <a:ea typeface="+mj-ea"/>
+                <a:cs typeface="+mj-cs"/>
                 <a:sym typeface="Helvetica"/>
               </a:defRPr>
             </a:pPr>
@@ -5611,28 +5406,28 @@
       </p:sp>
       <p:grpSp>
         <p:nvGrpSpPr>
-          <p:cNvPr id="140" name="Group"/>
+          <p:cNvPr id="143" name="Group"/>
           <p:cNvGrpSpPr/>
           <p:nvPr/>
         </p:nvGrpSpPr>
         <p:grpSpPr>
           <a:xfrm>
-            <a:off x="938365" y="264829"/>
-            <a:ext cx="6803101" cy="681301"/>
+            <a:off x="1057634" y="291333"/>
+            <a:ext cx="6803103" cy="681303"/>
             <a:chOff x="0" y="0"/>
-            <a:chExt cx="6803099" cy="681300"/>
+            <a:chExt cx="6803101" cy="681302"/>
           </a:xfrm>
         </p:grpSpPr>
         <p:sp>
           <p:nvSpPr>
-            <p:cNvPr id="138" name="Google Shape;84;p17"/>
+            <p:cNvPr id="141" name="Google Shape;84;p17"/>
             <p:cNvSpPr/>
             <p:nvPr/>
           </p:nvSpPr>
           <p:spPr>
             <a:xfrm>
-              <a:off x="0" y="0"/>
-              <a:ext cx="6803100" cy="681301"/>
+              <a:off x="0" y="-1"/>
+              <a:ext cx="6803103" cy="681304"/>
             </a:xfrm>
             <a:prstGeom prst="rect">
               <a:avLst/>
@@ -5640,7 +5435,7 @@
             <a:noFill/>
             <a:ln w="38100" cap="flat">
               <a:solidFill>
-                <a:srgbClr val="856886"/>
+                <a:srgbClr val="6792C7"/>
               </a:solidFill>
               <a:prstDash val="solid"/>
               <a:round/>
@@ -5653,20 +5448,27 @@
             </a:bodyPr>
             <a:lstStyle/>
             <a:p>
-              <a:pPr algn="r"/>
+              <a:pPr algn="r">
+                <a:defRPr>
+                  <a:latin typeface="+mn-lt"/>
+                  <a:ea typeface="+mn-ea"/>
+                  <a:cs typeface="+mn-cs"/>
+                  <a:sym typeface="Arial"/>
+                </a:defRPr>
+              </a:pPr>
             </a:p>
           </p:txBody>
         </p:sp>
         <p:sp>
           <p:nvSpPr>
-            <p:cNvPr id="139" name="Google Shape;82;p17"/>
+            <p:cNvPr id="142" name="Google Shape;82;p17"/>
             <p:cNvSpPr txBox="1"/>
             <p:nvPr/>
           </p:nvSpPr>
           <p:spPr>
             <a:xfrm>
               <a:off x="1341110" y="54300"/>
-              <a:ext cx="3882340" cy="572701"/>
+              <a:ext cx="3882342" cy="572702"/>
             </a:xfrm>
             <a:prstGeom prst="rect">
               <a:avLst/>
@@ -5684,15 +5486,19 @@
             </a:extLst>
           </p:spPr>
           <p:txBody>
-            <a:bodyPr wrap="square" lIns="91424" tIns="91424" rIns="91424" bIns="91424" numCol="1" anchor="t">
+            <a:bodyPr wrap="square" lIns="91423" tIns="91423" rIns="91423" bIns="91423" numCol="1" anchor="t">
               <a:normAutofit fontScale="100000" lnSpcReduction="0"/>
             </a:bodyPr>
             <a:lstStyle>
               <a:lvl1pPr algn="ctr">
                 <a:defRPr sz="2500">
                   <a:solidFill>
-                    <a:srgbClr val="168C80"/>
+                    <a:srgbClr val="EF8B67"/>
                   </a:solidFill>
+                  <a:latin typeface="+mn-lt"/>
+                  <a:ea typeface="+mn-ea"/>
+                  <a:cs typeface="+mn-cs"/>
+                  <a:sym typeface="Arial"/>
                 </a:defRPr>
               </a:lvl1pPr>
             </a:lstStyle>
@@ -5705,6 +5511,35 @@
           </p:txBody>
         </p:sp>
       </p:grpSp>
+      <p:pic>
+        <p:nvPicPr>
+          <p:cNvPr id="144" name="images.jpeg" descr="images.jpeg"/>
+          <p:cNvPicPr>
+            <a:picLocks noChangeAspect="1"/>
+          </p:cNvPicPr>
+          <p:nvPr/>
+        </p:nvPicPr>
+        <p:blipFill>
+          <a:blip r:embed="rId2">
+            <a:extLst/>
+          </a:blip>
+          <a:stretch>
+            <a:fillRect/>
+          </a:stretch>
+        </p:blipFill>
+        <p:spPr>
+          <a:xfrm>
+            <a:off x="6035716" y="1114425"/>
+            <a:ext cx="2324101" cy="3492500"/>
+          </a:xfrm>
+          <a:prstGeom prst="rect">
+            <a:avLst/>
+          </a:prstGeom>
+          <a:ln w="12700">
+            <a:miter lim="400000"/>
+          </a:ln>
+        </p:spPr>
+      </p:pic>
     </p:spTree>
   </p:cSld>
   <p:clrMapOvr>
@@ -5714,9 +5549,16 @@
 </p:sld>
 </file>
 
-<file path=ppt/slides/slide9.xml><?xml version="1.0" encoding="utf-8"?>
+<file path=ppt/slides/slide8.xml><?xml version="1.0" encoding="utf-8"?>
 <p:sld xmlns:a="http://schemas.openxmlformats.org/drawingml/2006/main" xmlns:r="http://schemas.openxmlformats.org/officeDocument/2006/relationships" xmlns:p="http://schemas.openxmlformats.org/presentationml/2006/main" xmlns:m="http://schemas.openxmlformats.org/officeDocument/2006/math" xmlns:a14="http://schemas.microsoft.com/office/drawing/2010/main" showMasterSp="1" showMasterPhAnim="1">
   <p:cSld>
+    <p:bg>
+      <p:bgPr>
+        <a:solidFill>
+          <a:srgbClr val="EBF5EE"/>
+        </a:solidFill>
+      </p:bgPr>
+    </p:bg>
     <p:spTree>
       <p:nvGrpSpPr>
         <p:cNvPr id="1" name=""/>
@@ -5733,7 +5575,7 @@
       </p:grpSpPr>
       <p:sp>
         <p:nvSpPr>
-          <p:cNvPr id="142" name="Privacy:…"/>
+          <p:cNvPr id="146" name="Privacy:…"/>
           <p:cNvSpPr txBox="1"/>
           <p:nvPr>
             <p:ph type="body" idx="1"/>
@@ -5742,7 +5584,7 @@
         <p:spPr>
           <a:xfrm>
             <a:off x="176969" y="1027131"/>
-            <a:ext cx="8520601" cy="3959740"/>
+            <a:ext cx="5103147" cy="4223637"/>
           </a:xfrm>
           <a:prstGeom prst="rect">
             <a:avLst/>
@@ -5752,47 +5594,55 @@
           <a:bodyPr/>
           <a:lstStyle/>
           <a:p>
-            <a:pPr marL="368477" indent="-249796">
+            <a:pPr marL="364792" indent="-247298" defTabSz="905255">
               <a:lnSpc>
                 <a:spcPct val="110000"/>
               </a:lnSpc>
               <a:buClr>
-                <a:srgbClr val="856886"/>
+                <a:schemeClr val="accent1">
+                  <a:satOff val="-31580"/>
+                  <a:lumOff val="-12156"/>
+                </a:schemeClr>
               </a:buClr>
-              <a:buSzPts val="1500"/>
+              <a:buSzPts val="1400"/>
               <a:buChar char="➔"/>
               <a:tabLst>
-                <a:tab pos="50800" algn="r"/>
-                <a:tab pos="139700" algn="l"/>
+                <a:tab pos="38100" algn="r"/>
+                <a:tab pos="127000" algn="l"/>
               </a:tabLst>
-              <a:defRPr sz="1513">
+              <a:defRPr b="1" sz="1485">
                 <a:solidFill>
                   <a:srgbClr val="806984"/>
                 </a:solidFill>
               </a:defRPr>
             </a:pPr>
             <a:r>
-              <a:rPr b="1"/>
+              <a:rPr>
+                <a:solidFill>
+                  <a:srgbClr val="6792C7"/>
+                </a:solidFill>
+              </a:rPr>
               <a:t>Privacy</a:t>
             </a:r>
             <a:r>
+              <a:rPr b="0"/>
               <a:t>:</a:t>
             </a:r>
           </a:p>
           <a:p>
-            <a:pPr lvl="1" marL="793632" indent="-262391">
+            <a:pPr lvl="1" marL="785695" indent="-259767" defTabSz="905255">
               <a:lnSpc>
                 <a:spcPct val="110000"/>
               </a:lnSpc>
               <a:buClr>
-                <a:srgbClr val="856886"/>
+                <a:srgbClr val="6792C7"/>
               </a:buClr>
-              <a:buSzPts val="1500"/>
+              <a:buSzPts val="1400"/>
               <a:tabLst>
-                <a:tab pos="50800" algn="r"/>
-                <a:tab pos="139700" algn="l"/>
+                <a:tab pos="38100" algn="r"/>
+                <a:tab pos="127000" algn="l"/>
               </a:tabLst>
-              <a:defRPr sz="1513">
+              <a:defRPr sz="1485">
                 <a:solidFill>
                   <a:srgbClr val="111111"/>
                 </a:solidFill>
@@ -5803,19 +5653,19 @@
             </a:r>
           </a:p>
           <a:p>
-            <a:pPr lvl="1" marL="793632" indent="-262391">
+            <a:pPr lvl="1" marL="785695" indent="-259767" defTabSz="905255">
               <a:lnSpc>
                 <a:spcPct val="110000"/>
               </a:lnSpc>
               <a:buClr>
-                <a:srgbClr val="856886"/>
+                <a:srgbClr val="6792C7"/>
               </a:buClr>
-              <a:buSzPts val="1500"/>
+              <a:buSzPts val="1400"/>
               <a:tabLst>
-                <a:tab pos="50800" algn="r"/>
-                <a:tab pos="139700" algn="l"/>
+                <a:tab pos="38100" algn="r"/>
+                <a:tab pos="127000" algn="l"/>
               </a:tabLst>
-              <a:defRPr sz="1513">
+              <a:defRPr sz="1485">
                 <a:solidFill>
                   <a:srgbClr val="111111"/>
                 </a:solidFill>
@@ -5823,51 +5673,47 @@
             </a:pPr>
           </a:p>
           <a:p>
-            <a:pPr marL="368477" indent="-249796">
+            <a:pPr marL="364792" indent="-247298" defTabSz="905255">
               <a:lnSpc>
                 <a:spcPct val="110000"/>
               </a:lnSpc>
               <a:buClr>
-                <a:srgbClr val="856886"/>
+                <a:srgbClr val="6792C7"/>
               </a:buClr>
-              <a:buSzPts val="1500"/>
+              <a:buSzPts val="1400"/>
               <a:buChar char="➔"/>
               <a:tabLst>
-                <a:tab pos="50800" algn="r"/>
-                <a:tab pos="139700" algn="l"/>
+                <a:tab pos="38100" algn="r"/>
+                <a:tab pos="127000" algn="l"/>
               </a:tabLst>
-              <a:defRPr sz="1513">
+              <a:defRPr b="1" sz="1485">
                 <a:solidFill>
-                  <a:srgbClr val="111111"/>
+                  <a:srgbClr val="6792C7"/>
                 </a:solidFill>
               </a:defRPr>
             </a:pPr>
             <a:r>
-              <a:rPr b="1">
-                <a:solidFill>
-                  <a:srgbClr val="806984"/>
-                </a:solidFill>
-              </a:rPr>
               <a:t>Transparency</a:t>
             </a:r>
             <a:r>
+              <a:rPr b="0"/>
               <a:t>:</a:t>
             </a:r>
           </a:p>
           <a:p>
-            <a:pPr lvl="1" marL="793632" indent="-262391">
+            <a:pPr lvl="1" marL="785695" indent="-259767" defTabSz="905255">
               <a:lnSpc>
                 <a:spcPct val="110000"/>
               </a:lnSpc>
               <a:buClr>
-                <a:srgbClr val="856886"/>
+                <a:srgbClr val="6792C7"/>
               </a:buClr>
-              <a:buSzPts val="1500"/>
+              <a:buSzPts val="1400"/>
               <a:tabLst>
-                <a:tab pos="50800" algn="r"/>
-                <a:tab pos="139700" algn="l"/>
+                <a:tab pos="38100" algn="r"/>
+                <a:tab pos="127000" algn="l"/>
               </a:tabLst>
-              <a:defRPr sz="1513">
+              <a:defRPr sz="1485">
                 <a:solidFill>
                   <a:srgbClr val="111111"/>
                 </a:solidFill>
@@ -5878,19 +5724,19 @@
             </a:r>
           </a:p>
           <a:p>
-            <a:pPr lvl="1" marL="793632" indent="-262391">
+            <a:pPr lvl="1" marL="785695" indent="-259767" defTabSz="905255">
               <a:lnSpc>
                 <a:spcPct val="110000"/>
               </a:lnSpc>
               <a:buClr>
-                <a:srgbClr val="856886"/>
+                <a:srgbClr val="6792C7"/>
               </a:buClr>
-              <a:buSzPts val="1500"/>
+              <a:buSzPts val="1400"/>
               <a:tabLst>
-                <a:tab pos="50800" algn="r"/>
-                <a:tab pos="139700" algn="l"/>
+                <a:tab pos="38100" algn="r"/>
+                <a:tab pos="127000" algn="l"/>
               </a:tabLst>
-              <a:defRPr sz="1513">
+              <a:defRPr sz="1485">
                 <a:solidFill>
                   <a:srgbClr val="111111"/>
                 </a:solidFill>
@@ -5898,43 +5744,43 @@
             </a:pPr>
           </a:p>
           <a:p>
-            <a:pPr marL="368477" indent="-249796">
+            <a:pPr marL="364792" indent="-247298" defTabSz="905255">
               <a:lnSpc>
                 <a:spcPct val="110000"/>
               </a:lnSpc>
               <a:buClr>
-                <a:srgbClr val="856886"/>
+                <a:srgbClr val="6792C7"/>
               </a:buClr>
-              <a:buSzPts val="1500"/>
+              <a:buSzPts val="1400"/>
               <a:buChar char="➔"/>
               <a:tabLst>
-                <a:tab pos="50800" algn="r"/>
-                <a:tab pos="139700" algn="l"/>
+                <a:tab pos="38100" algn="r"/>
+                <a:tab pos="127000" algn="l"/>
               </a:tabLst>
-              <a:defRPr b="1" sz="1513">
+              <a:defRPr b="1" sz="1485">
                 <a:solidFill>
-                  <a:srgbClr val="806984"/>
+                  <a:srgbClr val="6792C7"/>
                 </a:solidFill>
               </a:defRPr>
             </a:pPr>
             <a:r>
-              <a:t>	Fairness and Bias: </a:t>
-            </a:r>
-          </a:p>
-          <a:p>
-            <a:pPr lvl="1" marL="793632" indent="-262391">
+              <a:t>Fairness and Bias: </a:t>
+            </a:r>
+          </a:p>
+          <a:p>
+            <a:pPr lvl="1" marL="785695" indent="-259767" defTabSz="905255">
               <a:lnSpc>
                 <a:spcPct val="110000"/>
               </a:lnSpc>
               <a:buClr>
-                <a:srgbClr val="856886"/>
+                <a:srgbClr val="6792C7"/>
               </a:buClr>
-              <a:buSzPts val="1500"/>
+              <a:buSzPts val="1400"/>
               <a:tabLst>
-                <a:tab pos="50800" algn="r"/>
-                <a:tab pos="139700" algn="l"/>
+                <a:tab pos="38100" algn="r"/>
+                <a:tab pos="127000" algn="l"/>
               </a:tabLst>
-              <a:defRPr sz="1513">
+              <a:defRPr sz="1485">
                 <a:solidFill>
                   <a:srgbClr val="111111"/>
                 </a:solidFill>
@@ -5945,19 +5791,19 @@
             </a:r>
           </a:p>
           <a:p>
-            <a:pPr lvl="1" marL="793632" indent="-262391">
+            <a:pPr lvl="1" marL="785695" indent="-259767" defTabSz="905255">
               <a:lnSpc>
                 <a:spcPct val="110000"/>
               </a:lnSpc>
               <a:buClr>
-                <a:srgbClr val="856886"/>
+                <a:srgbClr val="6792C7"/>
               </a:buClr>
-              <a:buSzPts val="1500"/>
+              <a:buSzPts val="1400"/>
               <a:tabLst>
-                <a:tab pos="50800" algn="r"/>
-                <a:tab pos="139700" algn="l"/>
+                <a:tab pos="38100" algn="r"/>
+                <a:tab pos="127000" algn="l"/>
               </a:tabLst>
-              <a:defRPr sz="1513">
+              <a:defRPr sz="1485">
                 <a:solidFill>
                   <a:srgbClr val="111111"/>
                 </a:solidFill>
@@ -5968,19 +5814,19 @@
             </a:r>
           </a:p>
           <a:p>
-            <a:pPr lvl="1" marL="793632" indent="-262391">
+            <a:pPr lvl="1" marL="785695" indent="-259767" defTabSz="905255">
               <a:lnSpc>
                 <a:spcPct val="110000"/>
               </a:lnSpc>
               <a:buClr>
-                <a:srgbClr val="856886"/>
+                <a:srgbClr val="6792C7"/>
               </a:buClr>
-              <a:buSzPts val="1500"/>
+              <a:buSzPts val="1400"/>
               <a:tabLst>
-                <a:tab pos="50800" algn="r"/>
-                <a:tab pos="139700" algn="l"/>
+                <a:tab pos="38100" algn="r"/>
+                <a:tab pos="127000" algn="l"/>
               </a:tabLst>
-              <a:defRPr sz="1513">
+              <a:defRPr sz="1485">
                 <a:solidFill>
                   <a:srgbClr val="111111"/>
                 </a:solidFill>
@@ -5988,43 +5834,43 @@
             </a:pPr>
           </a:p>
           <a:p>
-            <a:pPr marL="368477" indent="-249796">
+            <a:pPr marL="364792" indent="-247298" defTabSz="905255">
               <a:lnSpc>
                 <a:spcPct val="110000"/>
               </a:lnSpc>
               <a:buClr>
-                <a:srgbClr val="856886"/>
+                <a:srgbClr val="6792C7"/>
               </a:buClr>
-              <a:buSzPts val="1500"/>
+              <a:buSzPts val="1400"/>
               <a:buChar char="➔"/>
               <a:tabLst>
-                <a:tab pos="50800" algn="r"/>
-                <a:tab pos="139700" algn="l"/>
+                <a:tab pos="38100" algn="r"/>
+                <a:tab pos="127000" algn="l"/>
               </a:tabLst>
-              <a:defRPr b="1" sz="1513">
+              <a:defRPr b="1" sz="1485">
                 <a:solidFill>
-                  <a:srgbClr val="806984"/>
+                  <a:srgbClr val="6792C7"/>
                 </a:solidFill>
               </a:defRPr>
             </a:pPr>
             <a:r>
-              <a:t>	Safety Boundaries: </a:t>
-            </a:r>
-          </a:p>
-          <a:p>
-            <a:pPr lvl="1" marL="793632" indent="-262391">
+              <a:t>Safety Boundaries: </a:t>
+            </a:r>
+          </a:p>
+          <a:p>
+            <a:pPr lvl="1" marL="785695" indent="-259767" defTabSz="905255">
               <a:lnSpc>
                 <a:spcPct val="110000"/>
               </a:lnSpc>
               <a:buClr>
-                <a:srgbClr val="856886"/>
+                <a:srgbClr val="6792C7"/>
               </a:buClr>
-              <a:buSzPts val="1500"/>
+              <a:buSzPts val="1400"/>
               <a:tabLst>
-                <a:tab pos="50800" algn="r"/>
-                <a:tab pos="139700" algn="l"/>
+                <a:tab pos="38100" algn="r"/>
+                <a:tab pos="127000" algn="l"/>
               </a:tabLst>
-              <a:defRPr sz="1513">
+              <a:defRPr sz="1485">
                 <a:solidFill>
                   <a:srgbClr val="111111"/>
                 </a:solidFill>
@@ -6035,19 +5881,19 @@
             </a:r>
           </a:p>
           <a:p>
-            <a:pPr lvl="1" marL="793632" indent="-262391">
+            <a:pPr lvl="1" marL="785695" indent="-259767" defTabSz="905255">
               <a:lnSpc>
                 <a:spcPct val="110000"/>
               </a:lnSpc>
               <a:buClr>
-                <a:srgbClr val="856886"/>
+                <a:srgbClr val="6792C7"/>
               </a:buClr>
-              <a:buSzPts val="1500"/>
+              <a:buSzPts val="1400"/>
               <a:tabLst>
-                <a:tab pos="50800" algn="r"/>
-                <a:tab pos="139700" algn="l"/>
+                <a:tab pos="38100" algn="r"/>
+                <a:tab pos="127000" algn="l"/>
               </a:tabLst>
-              <a:defRPr sz="1513">
+              <a:defRPr sz="1485">
                 <a:solidFill>
                   <a:srgbClr val="111111"/>
                 </a:solidFill>
@@ -6055,22 +5901,22 @@
             </a:pPr>
           </a:p>
           <a:p>
-            <a:pPr marL="368477" indent="-249796">
+            <a:pPr marL="364792" indent="-247298" defTabSz="905255">
               <a:lnSpc>
                 <a:spcPct val="110000"/>
               </a:lnSpc>
               <a:buClr>
-                <a:srgbClr val="856886"/>
+                <a:srgbClr val="6792C7"/>
               </a:buClr>
-              <a:buSzPts val="1500"/>
+              <a:buSzPts val="1400"/>
               <a:buChar char="➔"/>
               <a:tabLst>
-                <a:tab pos="50800" algn="r"/>
-                <a:tab pos="139700" algn="l"/>
+                <a:tab pos="38100" algn="r"/>
+                <a:tab pos="127000" algn="l"/>
               </a:tabLst>
-              <a:defRPr b="1" sz="1513">
+              <a:defRPr b="1" sz="1485">
                 <a:solidFill>
-                  <a:srgbClr val="806984"/>
+                  <a:srgbClr val="6792C7"/>
                 </a:solidFill>
               </a:defRPr>
             </a:pPr>
@@ -6079,19 +5925,19 @@
             </a:r>
           </a:p>
           <a:p>
-            <a:pPr lvl="1" marL="793632" indent="-262391">
+            <a:pPr lvl="1" marL="785695" indent="-259767" defTabSz="905255">
               <a:lnSpc>
                 <a:spcPct val="110000"/>
               </a:lnSpc>
               <a:buClr>
-                <a:srgbClr val="856886"/>
+                <a:srgbClr val="6792C7"/>
               </a:buClr>
-              <a:buSzPts val="1500"/>
+              <a:buSzPts val="1400"/>
               <a:tabLst>
-                <a:tab pos="50800" algn="r"/>
-                <a:tab pos="139700" algn="l"/>
+                <a:tab pos="38100" algn="r"/>
+                <a:tab pos="127000" algn="l"/>
               </a:tabLst>
-              <a:defRPr sz="1513">
+              <a:defRPr sz="1485">
                 <a:solidFill>
                   <a:srgbClr val="111111"/>
                 </a:solidFill>
@@ -6105,28 +5951,28 @@
       </p:sp>
       <p:grpSp>
         <p:nvGrpSpPr>
-          <p:cNvPr id="145" name="Group"/>
+          <p:cNvPr id="149" name="Group"/>
           <p:cNvGrpSpPr/>
           <p:nvPr/>
         </p:nvGrpSpPr>
         <p:grpSpPr>
           <a:xfrm>
-            <a:off x="938365" y="264829"/>
-            <a:ext cx="6803101" cy="681301"/>
+            <a:off x="938365" y="264828"/>
+            <a:ext cx="6803103" cy="681303"/>
             <a:chOff x="0" y="0"/>
-            <a:chExt cx="6803099" cy="681300"/>
+            <a:chExt cx="6803101" cy="681302"/>
           </a:xfrm>
         </p:grpSpPr>
         <p:sp>
           <p:nvSpPr>
-            <p:cNvPr id="143" name="Google Shape;84;p17"/>
+            <p:cNvPr id="147" name="Google Shape;84;p17"/>
             <p:cNvSpPr/>
             <p:nvPr/>
           </p:nvSpPr>
           <p:spPr>
             <a:xfrm>
-              <a:off x="0" y="0"/>
-              <a:ext cx="6803100" cy="681301"/>
+              <a:off x="0" y="-1"/>
+              <a:ext cx="6803103" cy="681304"/>
             </a:xfrm>
             <a:prstGeom prst="rect">
               <a:avLst/>
@@ -6134,7 +5980,7 @@
             <a:noFill/>
             <a:ln w="38100" cap="flat">
               <a:solidFill>
-                <a:srgbClr val="856886"/>
+                <a:srgbClr val="EF8B67"/>
               </a:solidFill>
               <a:prstDash val="solid"/>
               <a:round/>
@@ -6147,20 +5993,27 @@
             </a:bodyPr>
             <a:lstStyle/>
             <a:p>
-              <a:pPr algn="r"/>
+              <a:pPr algn="r">
+                <a:defRPr>
+                  <a:latin typeface="+mn-lt"/>
+                  <a:ea typeface="+mn-ea"/>
+                  <a:cs typeface="+mn-cs"/>
+                  <a:sym typeface="Arial"/>
+                </a:defRPr>
+              </a:pPr>
             </a:p>
           </p:txBody>
         </p:sp>
         <p:sp>
           <p:nvSpPr>
-            <p:cNvPr id="144" name="Google Shape;82;p17"/>
+            <p:cNvPr id="148" name="Google Shape;82;p17"/>
             <p:cNvSpPr txBox="1"/>
             <p:nvPr/>
           </p:nvSpPr>
           <p:spPr>
             <a:xfrm>
               <a:off x="1341110" y="54300"/>
-              <a:ext cx="3882340" cy="572701"/>
+              <a:ext cx="3882342" cy="572702"/>
             </a:xfrm>
             <a:prstGeom prst="rect">
               <a:avLst/>
@@ -6178,15 +6031,19 @@
             </a:extLst>
           </p:spPr>
           <p:txBody>
-            <a:bodyPr wrap="square" lIns="91424" tIns="91424" rIns="91424" bIns="91424" numCol="1" anchor="t">
+            <a:bodyPr wrap="square" lIns="91423" tIns="91423" rIns="91423" bIns="91423" numCol="1" anchor="t">
               <a:normAutofit fontScale="100000" lnSpcReduction="0"/>
             </a:bodyPr>
             <a:lstStyle>
               <a:lvl1pPr algn="ctr">
                 <a:defRPr sz="2500">
                   <a:solidFill>
-                    <a:srgbClr val="168C80"/>
+                    <a:srgbClr val="6792C7"/>
                   </a:solidFill>
+                  <a:latin typeface="+mn-lt"/>
+                  <a:ea typeface="+mn-ea"/>
+                  <a:cs typeface="+mn-cs"/>
+                  <a:sym typeface="Arial"/>
                 </a:defRPr>
               </a:lvl1pPr>
             </a:lstStyle>
@@ -6199,6 +6056,287 @@
           </p:txBody>
         </p:sp>
       </p:grpSp>
+      <p:pic>
+        <p:nvPicPr>
+          <p:cNvPr id="150" name="images (1).jpeg" descr="images (1).jpeg"/>
+          <p:cNvPicPr>
+            <a:picLocks noChangeAspect="1"/>
+          </p:cNvPicPr>
+          <p:nvPr/>
+        </p:nvPicPr>
+        <p:blipFill>
+          <a:blip r:embed="rId2">
+            <a:extLst/>
+          </a:blip>
+          <a:stretch>
+            <a:fillRect/>
+          </a:stretch>
+        </p:blipFill>
+        <p:spPr>
+          <a:xfrm>
+            <a:off x="5345957" y="1541470"/>
+            <a:ext cx="3492501" cy="2324101"/>
+          </a:xfrm>
+          <a:prstGeom prst="rect">
+            <a:avLst/>
+          </a:prstGeom>
+          <a:ln w="12700">
+            <a:miter lim="400000"/>
+          </a:ln>
+        </p:spPr>
+      </p:pic>
+    </p:spTree>
+  </p:cSld>
+  <p:clrMapOvr>
+    <a:masterClrMapping/>
+  </p:clrMapOvr>
+  <p:transition xmlns:p14="http://schemas.microsoft.com/office/powerpoint/2010/main" spd="med" advClick="1"/>
+</p:sld>
+</file>
+
+<file path=ppt/slides/slide9.xml><?xml version="1.0" encoding="utf-8"?>
+<p:sld xmlns:a="http://schemas.openxmlformats.org/drawingml/2006/main" xmlns:r="http://schemas.openxmlformats.org/officeDocument/2006/relationships" xmlns:p="http://schemas.openxmlformats.org/presentationml/2006/main" xmlns:m="http://schemas.openxmlformats.org/officeDocument/2006/math" xmlns:a14="http://schemas.microsoft.com/office/drawing/2010/main" showMasterSp="1" showMasterPhAnim="1">
+  <p:cSld>
+    <p:bg>
+      <p:bgPr>
+        <a:solidFill>
+          <a:srgbClr val="EBF5EE"/>
+        </a:solidFill>
+      </p:bgPr>
+    </p:bg>
+    <p:spTree>
+      <p:nvGrpSpPr>
+        <p:cNvPr id="1" name=""/>
+        <p:cNvGrpSpPr/>
+        <p:nvPr/>
+      </p:nvGrpSpPr>
+      <p:grpSpPr>
+        <a:xfrm>
+          <a:off x="0" y="0"/>
+          <a:ext cx="0" cy="0"/>
+          <a:chOff x="0" y="0"/>
+          <a:chExt cx="0" cy="0"/>
+        </a:xfrm>
+      </p:grpSpPr>
+      <p:sp>
+        <p:nvSpPr>
+          <p:cNvPr id="152" name="Google Shape;75;p16"/>
+          <p:cNvSpPr txBox="1"/>
+          <p:nvPr>
+            <p:ph type="title"/>
+          </p:nvPr>
+        </p:nvSpPr>
+        <p:spPr>
+          <a:xfrm>
+            <a:off x="311699" y="445025"/>
+            <a:ext cx="8520602" cy="572702"/>
+          </a:xfrm>
+          <a:prstGeom prst="rect">
+            <a:avLst/>
+          </a:prstGeom>
+        </p:spPr>
+        <p:txBody>
+          <a:bodyPr/>
+          <a:lstStyle>
+            <a:lvl1pPr algn="ctr">
+              <a:defRPr sz="2500">
+                <a:solidFill>
+                  <a:srgbClr val="EF8B67"/>
+                </a:solidFill>
+              </a:defRPr>
+            </a:lvl1pPr>
+          </a:lstStyle>
+          <a:p>
+            <a:pPr/>
+            <a:r>
+              <a:t>Market Fit &amp; Target Users</a:t>
+            </a:r>
+          </a:p>
+        </p:txBody>
+      </p:sp>
+      <p:sp>
+        <p:nvSpPr>
+          <p:cNvPr id="153" name="Google Shape;76;p16"/>
+          <p:cNvSpPr txBox="1"/>
+          <p:nvPr>
+            <p:ph type="body" sz="half" idx="1"/>
+          </p:nvPr>
+        </p:nvSpPr>
+        <p:spPr>
+          <a:xfrm>
+            <a:off x="311699" y="1152475"/>
+            <a:ext cx="4285229" cy="3416400"/>
+          </a:xfrm>
+          <a:prstGeom prst="rect">
+            <a:avLst/>
+          </a:prstGeom>
+        </p:spPr>
+        <p:txBody>
+          <a:bodyPr/>
+          <a:lstStyle/>
+          <a:p>
+            <a:pPr marL="0" indent="0">
+              <a:spcBef>
+                <a:spcPts val="1200"/>
+              </a:spcBef>
+              <a:buSzTx/>
+              <a:buNone/>
+              <a:defRPr b="1" sz="1600">
+                <a:solidFill>
+                  <a:srgbClr val="EF8B67"/>
+                </a:solidFill>
+              </a:defRPr>
+            </a:pPr>
+            <a:r>
+              <a:t>Target Users</a:t>
+            </a:r>
+          </a:p>
+          <a:p>
+            <a:pPr marL="435609" indent="-302259">
+              <a:spcBef>
+                <a:spcPts val="1200"/>
+              </a:spcBef>
+              <a:buClr>
+                <a:srgbClr val="6792C7"/>
+              </a:buClr>
+              <a:buSzPts val="1400"/>
+              <a:buChar char="➔"/>
+              <a:defRPr sz="1400">
+                <a:solidFill>
+                  <a:srgbClr val="6792C7"/>
+                </a:solidFill>
+              </a:defRPr>
+            </a:pPr>
+            <a:r>
+              <a:t>People who experience panic attacks or even milder symptoms, including racing heart or dizziness</a:t>
+            </a:r>
+          </a:p>
+          <a:p>
+            <a:pPr marL="435609" indent="-302259">
+              <a:spcBef>
+                <a:spcPts val="1200"/>
+              </a:spcBef>
+              <a:buClr>
+                <a:srgbClr val="6792C7"/>
+              </a:buClr>
+              <a:buSzPts val="1400"/>
+              <a:buChar char="➔"/>
+              <a:defRPr sz="1400">
+                <a:solidFill>
+                  <a:srgbClr val="6792C7"/>
+                </a:solidFill>
+              </a:defRPr>
+            </a:pPr>
+            <a:r>
+              <a:t>Workers who freeze during high stress moments (like before a big presentation)</a:t>
+            </a:r>
+          </a:p>
+          <a:p>
+            <a:pPr marL="435609" indent="-302259">
+              <a:spcBef>
+                <a:spcPts val="1200"/>
+              </a:spcBef>
+              <a:buClr>
+                <a:srgbClr val="6792C7"/>
+              </a:buClr>
+              <a:buSzPts val="1400"/>
+              <a:buChar char="➔"/>
+              <a:defRPr sz="1400">
+                <a:solidFill>
+                  <a:srgbClr val="6792C7"/>
+                </a:solidFill>
+              </a:defRPr>
+            </a:pPr>
+            <a:r>
+              <a:t>An added tool used with therapy in between sessions</a:t>
+            </a:r>
+          </a:p>
+          <a:p>
+            <a:pPr marL="435609" indent="-302259">
+              <a:spcBef>
+                <a:spcPts val="1200"/>
+              </a:spcBef>
+              <a:buClr>
+                <a:srgbClr val="6792C7"/>
+              </a:buClr>
+              <a:buSzPts val="1400"/>
+              <a:buChar char="➔"/>
+              <a:defRPr sz="1400">
+                <a:solidFill>
+                  <a:srgbClr val="6792C7"/>
+                </a:solidFill>
+              </a:defRPr>
+            </a:pPr>
+            <a:r>
+              <a:t>Regular people trying to track stress patterns or other anxiety related symptoms</a:t>
+            </a:r>
+          </a:p>
+        </p:txBody>
+      </p:sp>
+      <p:sp>
+        <p:nvSpPr>
+          <p:cNvPr id="154" name="Google Shape;77;p16"/>
+          <p:cNvSpPr/>
+          <p:nvPr/>
+        </p:nvSpPr>
+        <p:spPr>
+          <a:xfrm>
+            <a:off x="1170450" y="390723"/>
+            <a:ext cx="6803100" cy="681304"/>
+          </a:xfrm>
+          <a:prstGeom prst="rect">
+            <a:avLst/>
+          </a:prstGeom>
+          <a:ln w="38100">
+            <a:solidFill>
+              <a:srgbClr val="6792C7"/>
+            </a:solidFill>
+          </a:ln>
+        </p:spPr>
+        <p:txBody>
+          <a:bodyPr lIns="0" tIns="0" rIns="0" bIns="0" anchor="ctr"/>
+          <a:lstStyle/>
+          <a:p>
+            <a:pPr algn="ctr">
+              <a:defRPr>
+                <a:latin typeface="+mn-lt"/>
+                <a:ea typeface="+mn-ea"/>
+                <a:cs typeface="+mn-cs"/>
+                <a:sym typeface="Arial"/>
+              </a:defRPr>
+            </a:pPr>
+          </a:p>
+        </p:txBody>
+      </p:sp>
+      <p:pic>
+        <p:nvPicPr>
+          <p:cNvPr id="155" name="Stress-Cycle-Graphic-1.jpg" descr="Stress-Cycle-Graphic-1.jpg"/>
+          <p:cNvPicPr>
+            <a:picLocks noChangeAspect="1"/>
+          </p:cNvPicPr>
+          <p:nvPr/>
+        </p:nvPicPr>
+        <p:blipFill>
+          <a:blip r:embed="rId2">
+            <a:extLst/>
+          </a:blip>
+          <a:stretch>
+            <a:fillRect/>
+          </a:stretch>
+        </p:blipFill>
+        <p:spPr>
+          <a:xfrm>
+            <a:off x="5469902" y="1659893"/>
+            <a:ext cx="2692327" cy="2692328"/>
+          </a:xfrm>
+          <a:prstGeom prst="rect">
+            <a:avLst/>
+          </a:prstGeom>
+          <a:ln w="12700">
+            <a:miter lim="400000"/>
+          </a:ln>
+        </p:spPr>
+      </p:pic>
     </p:spTree>
   </p:cSld>
   <p:clrMapOvr>
@@ -6251,14 +6389,14 @@
     </a:clrScheme>
     <a:fontScheme name="Simple Light">
       <a:majorFont>
+        <a:latin typeface="Helvetica"/>
+        <a:ea typeface="Helvetica"/>
+        <a:cs typeface="Helvetica"/>
+      </a:majorFont>
+      <a:minorFont>
         <a:latin typeface="Arial"/>
         <a:ea typeface="Arial"/>
         <a:cs typeface="Arial"/>
-      </a:majorFont>
-      <a:minorFont>
-        <a:latin typeface="Helvetica"/>
-        <a:ea typeface="Helvetica"/>
-        <a:cs typeface="Helvetica"/>
       </a:minorFont>
     </a:fontScheme>
     <a:fmtScheme name="Simple Light">
@@ -6340,13 +6478,7 @@
           <a:effectLst/>
         </a:effectStyle>
         <a:effectStyle>
-          <a:effectLst>
-            <a:outerShdw sx="100000" sy="100000" kx="0" ky="0" algn="b" rotWithShape="0" blurRad="38100" dist="20000" dir="5400000">
-              <a:srgbClr val="000000">
-                <a:alpha val="38000"/>
-              </a:srgbClr>
-            </a:outerShdw>
-          </a:effectLst>
+          <a:effectLst/>
         </a:effectStyle>
       </a:effectStyleLst>
       <a:bgFillStyleLst>
@@ -6405,7 +6537,7 @@
     <a:spDef>
       <a:spPr>
         <a:solidFill>
-          <a:srgbClr val="FFFFFF"/>
+          <a:srgbClr val="FFF8EA"/>
         </a:solidFill>
         <a:ln w="25400" cap="flat">
           <a:solidFill>
@@ -6448,7 +6580,7 @@
             <a:latin typeface="+mj-lt"/>
             <a:ea typeface="+mj-ea"/>
             <a:cs typeface="+mj-cs"/>
-            <a:sym typeface="Arial"/>
+            <a:sym typeface="Helvetica"/>
           </a:defRPr>
         </a:defPPr>
         <a:lvl1pPr marL="0" marR="0" indent="0" algn="l" defTabSz="914400" rtl="0" fontAlgn="auto" latinLnBrk="1" hangingPunct="0">
@@ -6703,13 +6835,7 @@
           <a:prstDash val="solid"/>
           <a:round/>
         </a:ln>
-        <a:effectLst>
-          <a:outerShdw sx="100000" sy="100000" kx="0" ky="0" algn="b" rotWithShape="0" blurRad="38100" dist="20000" dir="5400000">
-            <a:srgbClr val="000000">
-              <a:alpha val="38000"/>
-            </a:srgbClr>
-          </a:outerShdw>
-        </a:effectLst>
+        <a:effectLst/>
         <a:sp3d/>
       </a:spPr>
       <a:bodyPr rot="0" spcFirstLastPara="1" vertOverflow="overflow" horzOverflow="overflow" vert="horz" wrap="square" lIns="91439" tIns="45719" rIns="91439" bIns="45719" numCol="1" spcCol="38100" rtlCol="0" anchor="t" upright="0">
@@ -7025,7 +7151,7 @@
             <a:latin typeface="+mj-lt"/>
             <a:ea typeface="+mj-ea"/>
             <a:cs typeface="+mj-cs"/>
-            <a:sym typeface="Arial"/>
+            <a:sym typeface="Helvetica"/>
           </a:defRPr>
         </a:defPPr>
         <a:lvl1pPr marL="0" marR="0" indent="0" algn="l" defTabSz="914400" rtl="0" fontAlgn="auto" latinLnBrk="1" hangingPunct="0">
@@ -7317,14 +7443,14 @@
     </a:clrScheme>
     <a:fontScheme name="Simple Light">
       <a:majorFont>
+        <a:latin typeface="Helvetica"/>
+        <a:ea typeface="Helvetica"/>
+        <a:cs typeface="Helvetica"/>
+      </a:majorFont>
+      <a:minorFont>
         <a:latin typeface="Arial"/>
         <a:ea typeface="Arial"/>
         <a:cs typeface="Arial"/>
-      </a:majorFont>
-      <a:minorFont>
-        <a:latin typeface="Helvetica"/>
-        <a:ea typeface="Helvetica"/>
-        <a:cs typeface="Helvetica"/>
       </a:minorFont>
     </a:fontScheme>
     <a:fmtScheme name="Simple Light">
@@ -7406,13 +7532,7 @@
           <a:effectLst/>
         </a:effectStyle>
         <a:effectStyle>
-          <a:effectLst>
-            <a:outerShdw sx="100000" sy="100000" kx="0" ky="0" algn="b" rotWithShape="0" blurRad="38100" dist="20000" dir="5400000">
-              <a:srgbClr val="000000">
-                <a:alpha val="38000"/>
-              </a:srgbClr>
-            </a:outerShdw>
-          </a:effectLst>
+          <a:effectLst/>
         </a:effectStyle>
       </a:effectStyleLst>
       <a:bgFillStyleLst>
@@ -7471,7 +7591,7 @@
     <a:spDef>
       <a:spPr>
         <a:solidFill>
-          <a:srgbClr val="FFFFFF"/>
+          <a:srgbClr val="FFF8EA"/>
         </a:solidFill>
         <a:ln w="25400" cap="flat">
           <a:solidFill>
@@ -7514,7 +7634,7 @@
             <a:latin typeface="+mj-lt"/>
             <a:ea typeface="+mj-ea"/>
             <a:cs typeface="+mj-cs"/>
-            <a:sym typeface="Arial"/>
+            <a:sym typeface="Helvetica"/>
           </a:defRPr>
         </a:defPPr>
         <a:lvl1pPr marL="0" marR="0" indent="0" algn="l" defTabSz="914400" rtl="0" fontAlgn="auto" latinLnBrk="1" hangingPunct="0">
@@ -7769,13 +7889,7 @@
           <a:prstDash val="solid"/>
           <a:round/>
         </a:ln>
-        <a:effectLst>
-          <a:outerShdw sx="100000" sy="100000" kx="0" ky="0" algn="b" rotWithShape="0" blurRad="38100" dist="20000" dir="5400000">
-            <a:srgbClr val="000000">
-              <a:alpha val="38000"/>
-            </a:srgbClr>
-          </a:outerShdw>
-        </a:effectLst>
+        <a:effectLst/>
         <a:sp3d/>
       </a:spPr>
       <a:bodyPr rot="0" spcFirstLastPara="1" vertOverflow="overflow" horzOverflow="overflow" vert="horz" wrap="square" lIns="91439" tIns="45719" rIns="91439" bIns="45719" numCol="1" spcCol="38100" rtlCol="0" anchor="t" upright="0">
@@ -8091,7 +8205,7 @@
             <a:latin typeface="+mj-lt"/>
             <a:ea typeface="+mj-ea"/>
             <a:cs typeface="+mj-cs"/>
-            <a:sym typeface="Arial"/>
+            <a:sym typeface="Helvetica"/>
           </a:defRPr>
         </a:defPPr>
         <a:lvl1pPr marL="0" marR="0" indent="0" algn="l" defTabSz="914400" rtl="0" fontAlgn="auto" latinLnBrk="1" hangingPunct="0">
